--- a/Project_2.pptx
+++ b/Project_2.pptx
@@ -1,20 +1,19 @@
 
 <file path=ppt/presentation.xml><?xml version="1.0" encoding="utf-8"?>
-<p:presentation xmlns:a="http://schemas.openxmlformats.org/drawingml/2006/main" xmlns:r="http://schemas.openxmlformats.org/officeDocument/2006/relationships" xmlns:p="http://schemas.openxmlformats.org/presentationml/2006/main" autoCompressPictures="0">
+<p:presentation xmlns:a="http://schemas.openxmlformats.org/drawingml/2006/main" xmlns:r="http://schemas.openxmlformats.org/officeDocument/2006/relationships" xmlns:p="http://schemas.openxmlformats.org/presentationml/2006/main" showSpecialPlsOnTitleSld="0" autoCompressPictures="0">
   <p:sldMasterIdLst>
     <p:sldMasterId id="2147483668" r:id="rId1"/>
   </p:sldMasterIdLst>
   <p:notesMasterIdLst>
-    <p:notesMasterId r:id="rId9"/>
+    <p:notesMasterId r:id="rId8"/>
   </p:notesMasterIdLst>
   <p:sldIdLst>
     <p:sldId id="256" r:id="rId2"/>
     <p:sldId id="257" r:id="rId3"/>
     <p:sldId id="260" r:id="rId4"/>
     <p:sldId id="258" r:id="rId5"/>
-    <p:sldId id="264" r:id="rId6"/>
-    <p:sldId id="263" r:id="rId7"/>
-    <p:sldId id="262" r:id="rId8"/>
+    <p:sldId id="263" r:id="rId6"/>
+    <p:sldId id="264" r:id="rId7"/>
   </p:sldIdLst>
   <p:sldSz cx="12192000" cy="6858000"/>
   <p:notesSz cx="6858000" cy="9144000"/>
@@ -203,7 +202,7 @@
           <a:p>
             <a:fld id="{0A2BB06A-24CB-F246-9077-B03F54F6CDAF}" type="datetimeFigureOut">
               <a:rPr lang="en-US" smtClean="0"/>
-              <a:t>8/20/21</a:t>
+              <a:t>8/20/2021</a:t>
             </a:fld>
             <a:endParaRPr lang="en-US"/>
           </a:p>
@@ -615,10 +614,9 @@
           <a:bodyPr/>
           <a:lstStyle/>
           <a:p>
-            <a:fld id="{B61BEF0D-F0BB-DE4B-95CE-6DB70DBA9567}" type="datetimeFigureOut">
+            <a:fld id="{C32E9785-9DC4-4855-8E2B-A30A0C0B5C22}" type="datetime1">
               <a:rPr lang="en-US" smtClean="0"/>
-              <a:pPr/>
-              <a:t>8/20/21</a:t>
+              <a:t>8/20/2021</a:t>
             </a:fld>
             <a:endParaRPr lang="en-US" dirty="0"/>
           </a:p>
@@ -815,10 +813,9 @@
           <a:bodyPr/>
           <a:lstStyle/>
           <a:p>
-            <a:fld id="{B61BEF0D-F0BB-DE4B-95CE-6DB70DBA9567}" type="datetimeFigureOut">
+            <a:fld id="{D9F83E92-1EB5-49DA-9BB5-14A3B62C7CB9}" type="datetime1">
               <a:rPr lang="en-US" smtClean="0"/>
-              <a:pPr/>
-              <a:t>8/20/21</a:t>
+              <a:t>8/20/2021</a:t>
             </a:fld>
             <a:endParaRPr lang="en-US" dirty="0"/>
           </a:p>
@@ -1025,10 +1022,9 @@
           <a:bodyPr/>
           <a:lstStyle/>
           <a:p>
-            <a:fld id="{B61BEF0D-F0BB-DE4B-95CE-6DB70DBA9567}" type="datetimeFigureOut">
+            <a:fld id="{B1313931-B940-40C1-A4B7-97FB6E2842D2}" type="datetime1">
               <a:rPr lang="en-US" smtClean="0"/>
-              <a:pPr/>
-              <a:t>8/20/21</a:t>
+              <a:t>8/20/2021</a:t>
             </a:fld>
             <a:endParaRPr lang="en-US" dirty="0"/>
           </a:p>
@@ -1225,10 +1221,9 @@
           <a:bodyPr/>
           <a:lstStyle/>
           <a:p>
-            <a:fld id="{B61BEF0D-F0BB-DE4B-95CE-6DB70DBA9567}" type="datetimeFigureOut">
+            <a:fld id="{4B287278-56C0-432F-A3C7-004ED0FA0A9B}" type="datetime1">
               <a:rPr lang="en-US" smtClean="0"/>
-              <a:pPr/>
-              <a:t>8/20/21</a:t>
+              <a:t>8/20/2021</a:t>
             </a:fld>
             <a:endParaRPr lang="en-US" dirty="0"/>
           </a:p>
@@ -1502,10 +1497,9 @@
           <a:bodyPr/>
           <a:lstStyle/>
           <a:p>
-            <a:fld id="{B61BEF0D-F0BB-DE4B-95CE-6DB70DBA9567}" type="datetimeFigureOut">
+            <a:fld id="{A89DFF3F-BEBC-413E-B48B-A65D6BDC7CB9}" type="datetime1">
               <a:rPr lang="en-US" smtClean="0"/>
-              <a:pPr/>
-              <a:t>8/20/21</a:t>
+              <a:t>8/20/2021</a:t>
             </a:fld>
             <a:endParaRPr lang="en-US" dirty="0"/>
           </a:p>
@@ -1769,10 +1763,9 @@
           <a:bodyPr/>
           <a:lstStyle/>
           <a:p>
-            <a:fld id="{B61BEF0D-F0BB-DE4B-95CE-6DB70DBA9567}" type="datetimeFigureOut">
+            <a:fld id="{2FB72ED2-B025-4A28-87A8-AD6A8687C9EF}" type="datetime1">
               <a:rPr lang="en-US" smtClean="0"/>
-              <a:pPr/>
-              <a:t>8/20/21</a:t>
+              <a:t>8/20/2021</a:t>
             </a:fld>
             <a:endParaRPr lang="en-US" dirty="0"/>
           </a:p>
@@ -2183,10 +2176,9 @@
           <a:bodyPr/>
           <a:lstStyle/>
           <a:p>
-            <a:fld id="{B61BEF0D-F0BB-DE4B-95CE-6DB70DBA9567}" type="datetimeFigureOut">
+            <a:fld id="{CA8CC748-664A-4239-8E71-CBACA8AB8B82}" type="datetime1">
               <a:rPr lang="en-US" smtClean="0"/>
-              <a:pPr/>
-              <a:t>8/20/21</a:t>
+              <a:t>8/20/2021</a:t>
             </a:fld>
             <a:endParaRPr lang="en-US" dirty="0"/>
           </a:p>
@@ -2326,10 +2318,9 @@
           <a:bodyPr/>
           <a:lstStyle/>
           <a:p>
-            <a:fld id="{B61BEF0D-F0BB-DE4B-95CE-6DB70DBA9567}" type="datetimeFigureOut">
+            <a:fld id="{7DC24A22-6841-4E80-8E23-59289C4EA259}" type="datetime1">
               <a:rPr lang="en-US" smtClean="0"/>
-              <a:pPr/>
-              <a:t>8/20/21</a:t>
+              <a:t>8/20/2021</a:t>
             </a:fld>
             <a:endParaRPr lang="en-US" dirty="0"/>
           </a:p>
@@ -2441,10 +2432,9 @@
           <a:bodyPr/>
           <a:lstStyle/>
           <a:p>
-            <a:fld id="{B61BEF0D-F0BB-DE4B-95CE-6DB70DBA9567}" type="datetimeFigureOut">
+            <a:fld id="{B00D0C8A-CD66-4D0F-BDB8-8C425D2B067E}" type="datetime1">
               <a:rPr lang="en-US" smtClean="0"/>
-              <a:pPr/>
-              <a:t>8/20/21</a:t>
+              <a:t>8/20/2021</a:t>
             </a:fld>
             <a:endParaRPr lang="en-US" dirty="0"/>
           </a:p>
@@ -2754,10 +2744,9 @@
           <a:bodyPr/>
           <a:lstStyle/>
           <a:p>
-            <a:fld id="{B61BEF0D-F0BB-DE4B-95CE-6DB70DBA9567}" type="datetimeFigureOut">
+            <a:fld id="{3986CC35-51EB-45FA-8C4E-251FE65F8A09}" type="datetime1">
               <a:rPr lang="en-US" smtClean="0"/>
-              <a:pPr/>
-              <a:t>8/20/21</a:t>
+              <a:t>8/20/2021</a:t>
             </a:fld>
             <a:endParaRPr lang="en-US" dirty="0"/>
           </a:p>
@@ -3044,10 +3033,9 @@
           <a:bodyPr/>
           <a:lstStyle/>
           <a:p>
-            <a:fld id="{B61BEF0D-F0BB-DE4B-95CE-6DB70DBA9567}" type="datetimeFigureOut">
+            <a:fld id="{DACD83BB-6338-4816-BE22-4DDB23A8ADD2}" type="datetime1">
               <a:rPr lang="en-US" smtClean="0"/>
-              <a:pPr/>
-              <a:t>8/20/21</a:t>
+              <a:t>8/20/2021</a:t>
             </a:fld>
             <a:endParaRPr lang="en-US" dirty="0"/>
           </a:p>
@@ -3287,10 +3275,9 @@
             </a:lvl1pPr>
           </a:lstStyle>
           <a:p>
-            <a:fld id="{B61BEF0D-F0BB-DE4B-95CE-6DB70DBA9567}" type="datetimeFigureOut">
+            <a:fld id="{CCA25674-2999-4E8F-ACFB-8D896CD95EDC}" type="datetime1">
               <a:rPr lang="en-US" smtClean="0"/>
-              <a:pPr/>
-              <a:t>8/20/21</a:t>
+              <a:t>8/20/2021</a:t>
             </a:fld>
             <a:endParaRPr lang="en-US" dirty="0"/>
           </a:p>
@@ -3408,6 +3395,7 @@
     <p:sldLayoutId id="2147483678" r:id="rId10"/>
     <p:sldLayoutId id="2147483679" r:id="rId11"/>
   </p:sldLayoutIdLst>
+  <p:hf hdr="0" ftr="0" dt="0"/>
   <p:txStyles>
     <p:titleStyle>
       <a:lvl1pPr algn="l" defTabSz="914400" rtl="0" eaLnBrk="1" latinLnBrk="0" hangingPunct="1">
@@ -3736,7 +3724,7 @@
           <a:p>
             <a:r>
               <a:rPr lang="en-US" dirty="0"/>
-              <a:t>Measuring CyberSecurity</a:t>
+              <a:t>“Ticketing Dashboard”</a:t>
             </a:r>
           </a:p>
         </p:txBody>
@@ -3757,7 +3745,12 @@
             <p:ph type="subTitle" idx="1"/>
           </p:nvPr>
         </p:nvSpPr>
-        <p:spPr/>
+        <p:spPr>
+          <a:xfrm>
+            <a:off x="1168934" y="3095725"/>
+            <a:ext cx="9144000" cy="666549"/>
+          </a:xfrm>
+        </p:spPr>
         <p:txBody>
           <a:bodyPr>
             <a:normAutofit/>
@@ -3765,22 +3758,222 @@
           <a:lstStyle/>
           <a:p>
             <a:r>
-              <a:rPr lang="en-US" sz="2800" b="1" dirty="0">
+              <a:rPr lang="en-US" sz="4000" dirty="0">
+                <a:solidFill>
+                  <a:srgbClr val="00B0F0"/>
+                </a:solidFill>
+              </a:rPr>
+              <a:t>Project-2</a:t>
+            </a:r>
+          </a:p>
+          <a:p>
+            <a:endParaRPr lang="en-US" sz="2800" dirty="0">
+              <a:solidFill>
+                <a:srgbClr val="00B0F0"/>
+              </a:solidFill>
+            </a:endParaRPr>
+          </a:p>
+        </p:txBody>
+      </p:sp>
+      <p:sp>
+        <p:nvSpPr>
+          <p:cNvPr id="4" name="Subtitle 2">
+            <a:extLst>
+              <a:ext uri="{FF2B5EF4-FFF2-40B4-BE49-F238E27FC236}">
+                <a16:creationId xmlns:a16="http://schemas.microsoft.com/office/drawing/2014/main" id="{469E556A-878F-4DA7-9AAD-08AF49C1B75B}"/>
+              </a:ext>
+            </a:extLst>
+          </p:cNvPr>
+          <p:cNvSpPr txBox="1">
+            <a:spLocks/>
+          </p:cNvSpPr>
+          <p:nvPr/>
+        </p:nvSpPr>
+        <p:spPr>
+          <a:xfrm>
+            <a:off x="313150" y="6066405"/>
+            <a:ext cx="2031466" cy="459441"/>
+          </a:xfrm>
+          <a:prstGeom prst="rect">
+            <a:avLst/>
+          </a:prstGeom>
+        </p:spPr>
+        <p:txBody>
+          <a:bodyPr vert="horz" lIns="91440" tIns="45720" rIns="91440" bIns="45720" rtlCol="0">
+            <a:normAutofit fontScale="70000" lnSpcReduction="20000"/>
+          </a:bodyPr>
+          <a:lstStyle>
+            <a:lvl1pPr marL="0" indent="0" algn="ctr" defTabSz="914400" rtl="0" eaLnBrk="1" latinLnBrk="0" hangingPunct="1">
+              <a:lnSpc>
+                <a:spcPct val="90000"/>
+              </a:lnSpc>
+              <a:spcBef>
+                <a:spcPts val="1000"/>
+              </a:spcBef>
+              <a:buFont typeface="Arial" panose="020B0604020202020204" pitchFamily="34" charset="0"/>
+              <a:buNone/>
+              <a:defRPr sz="2400" kern="1200">
+                <a:solidFill>
+                  <a:schemeClr val="tx1"/>
+                </a:solidFill>
+                <a:latin typeface="+mn-lt"/>
+                <a:ea typeface="+mn-ea"/>
+                <a:cs typeface="+mn-cs"/>
+              </a:defRPr>
+            </a:lvl1pPr>
+            <a:lvl2pPr marL="457200" indent="0" algn="ctr" defTabSz="914400" rtl="0" eaLnBrk="1" latinLnBrk="0" hangingPunct="1">
+              <a:lnSpc>
+                <a:spcPct val="90000"/>
+              </a:lnSpc>
+              <a:spcBef>
+                <a:spcPts val="500"/>
+              </a:spcBef>
+              <a:buFont typeface="Arial" panose="020B0604020202020204" pitchFamily="34" charset="0"/>
+              <a:buNone/>
+              <a:defRPr sz="2000" kern="1200">
+                <a:solidFill>
+                  <a:schemeClr val="tx1"/>
+                </a:solidFill>
+                <a:latin typeface="+mn-lt"/>
+                <a:ea typeface="+mn-ea"/>
+                <a:cs typeface="+mn-cs"/>
+              </a:defRPr>
+            </a:lvl2pPr>
+            <a:lvl3pPr marL="914400" indent="0" algn="ctr" defTabSz="914400" rtl="0" eaLnBrk="1" latinLnBrk="0" hangingPunct="1">
+              <a:lnSpc>
+                <a:spcPct val="90000"/>
+              </a:lnSpc>
+              <a:spcBef>
+                <a:spcPts val="500"/>
+              </a:spcBef>
+              <a:buFont typeface="Arial" panose="020B0604020202020204" pitchFamily="34" charset="0"/>
+              <a:buNone/>
+              <a:defRPr sz="1800" kern="1200">
+                <a:solidFill>
+                  <a:schemeClr val="tx1"/>
+                </a:solidFill>
+                <a:latin typeface="+mn-lt"/>
+                <a:ea typeface="+mn-ea"/>
+                <a:cs typeface="+mn-cs"/>
+              </a:defRPr>
+            </a:lvl3pPr>
+            <a:lvl4pPr marL="1371600" indent="0" algn="ctr" defTabSz="914400" rtl="0" eaLnBrk="1" latinLnBrk="0" hangingPunct="1">
+              <a:lnSpc>
+                <a:spcPct val="90000"/>
+              </a:lnSpc>
+              <a:spcBef>
+                <a:spcPts val="500"/>
+              </a:spcBef>
+              <a:buFont typeface="Arial" panose="020B0604020202020204" pitchFamily="34" charset="0"/>
+              <a:buNone/>
+              <a:defRPr sz="1600" kern="1200">
+                <a:solidFill>
+                  <a:schemeClr val="tx1"/>
+                </a:solidFill>
+                <a:latin typeface="+mn-lt"/>
+                <a:ea typeface="+mn-ea"/>
+                <a:cs typeface="+mn-cs"/>
+              </a:defRPr>
+            </a:lvl4pPr>
+            <a:lvl5pPr marL="1828800" indent="0" algn="ctr" defTabSz="914400" rtl="0" eaLnBrk="1" latinLnBrk="0" hangingPunct="1">
+              <a:lnSpc>
+                <a:spcPct val="90000"/>
+              </a:lnSpc>
+              <a:spcBef>
+                <a:spcPts val="500"/>
+              </a:spcBef>
+              <a:buFont typeface="Arial" panose="020B0604020202020204" pitchFamily="34" charset="0"/>
+              <a:buNone/>
+              <a:defRPr sz="1600" kern="1200">
+                <a:solidFill>
+                  <a:schemeClr val="tx1"/>
+                </a:solidFill>
+                <a:latin typeface="+mn-lt"/>
+                <a:ea typeface="+mn-ea"/>
+                <a:cs typeface="+mn-cs"/>
+              </a:defRPr>
+            </a:lvl5pPr>
+            <a:lvl6pPr marL="2286000" indent="0" algn="ctr" defTabSz="914400" rtl="0" eaLnBrk="1" latinLnBrk="0" hangingPunct="1">
+              <a:lnSpc>
+                <a:spcPct val="90000"/>
+              </a:lnSpc>
+              <a:spcBef>
+                <a:spcPts val="500"/>
+              </a:spcBef>
+              <a:buFont typeface="Arial" panose="020B0604020202020204" pitchFamily="34" charset="0"/>
+              <a:buNone/>
+              <a:defRPr sz="1600" kern="1200">
+                <a:solidFill>
+                  <a:schemeClr val="tx1"/>
+                </a:solidFill>
+                <a:latin typeface="+mn-lt"/>
+                <a:ea typeface="+mn-ea"/>
+                <a:cs typeface="+mn-cs"/>
+              </a:defRPr>
+            </a:lvl6pPr>
+            <a:lvl7pPr marL="2743200" indent="0" algn="ctr" defTabSz="914400" rtl="0" eaLnBrk="1" latinLnBrk="0" hangingPunct="1">
+              <a:lnSpc>
+                <a:spcPct val="90000"/>
+              </a:lnSpc>
+              <a:spcBef>
+                <a:spcPts val="500"/>
+              </a:spcBef>
+              <a:buFont typeface="Arial" panose="020B0604020202020204" pitchFamily="34" charset="0"/>
+              <a:buNone/>
+              <a:defRPr sz="1600" kern="1200">
+                <a:solidFill>
+                  <a:schemeClr val="tx1"/>
+                </a:solidFill>
+                <a:latin typeface="+mn-lt"/>
+                <a:ea typeface="+mn-ea"/>
+                <a:cs typeface="+mn-cs"/>
+              </a:defRPr>
+            </a:lvl7pPr>
+            <a:lvl8pPr marL="3200400" indent="0" algn="ctr" defTabSz="914400" rtl="0" eaLnBrk="1" latinLnBrk="0" hangingPunct="1">
+              <a:lnSpc>
+                <a:spcPct val="90000"/>
+              </a:lnSpc>
+              <a:spcBef>
+                <a:spcPts val="500"/>
+              </a:spcBef>
+              <a:buFont typeface="Arial" panose="020B0604020202020204" pitchFamily="34" charset="0"/>
+              <a:buNone/>
+              <a:defRPr sz="1600" kern="1200">
+                <a:solidFill>
+                  <a:schemeClr val="tx1"/>
+                </a:solidFill>
+                <a:latin typeface="+mn-lt"/>
+                <a:ea typeface="+mn-ea"/>
+                <a:cs typeface="+mn-cs"/>
+              </a:defRPr>
+            </a:lvl8pPr>
+            <a:lvl9pPr marL="3657600" indent="0" algn="ctr" defTabSz="914400" rtl="0" eaLnBrk="1" latinLnBrk="0" hangingPunct="1">
+              <a:lnSpc>
+                <a:spcPct val="90000"/>
+              </a:lnSpc>
+              <a:spcBef>
+                <a:spcPts val="500"/>
+              </a:spcBef>
+              <a:buFont typeface="Arial" panose="020B0604020202020204" pitchFamily="34" charset="0"/>
+              <a:buNone/>
+              <a:defRPr sz="1600" kern="1200">
+                <a:solidFill>
+                  <a:schemeClr val="tx1"/>
+                </a:solidFill>
+                <a:latin typeface="+mn-lt"/>
+                <a:ea typeface="+mn-ea"/>
+                <a:cs typeface="+mn-cs"/>
+              </a:defRPr>
+            </a:lvl9pPr>
+          </a:lstStyle>
+          <a:p>
+            <a:r>
+              <a:rPr lang="en-US" sz="2800" dirty="0">
                 <a:solidFill>
                   <a:srgbClr val="00B0F0"/>
                 </a:solidFill>
               </a:rPr>
               <a:t>Fernando Trevino</a:t>
-            </a:r>
-          </a:p>
-          <a:p>
-            <a:r>
-              <a:rPr lang="en-US" sz="2800" dirty="0">
-                <a:solidFill>
-                  <a:srgbClr val="00B0F0"/>
-                </a:solidFill>
-              </a:rPr>
-              <a:t>Project 2</a:t>
             </a:r>
           </a:p>
         </p:txBody>
@@ -3831,7 +4024,12 @@
             <p:ph type="title"/>
           </p:nvPr>
         </p:nvSpPr>
-        <p:spPr/>
+        <p:spPr>
+          <a:xfrm>
+            <a:off x="533399" y="85993"/>
+            <a:ext cx="10515600" cy="1325563"/>
+          </a:xfrm>
+        </p:spPr>
         <p:txBody>
           <a:bodyPr/>
           <a:lstStyle/>
@@ -3895,16 +4093,6 @@
                   <a:srgbClr val="00B0F0"/>
                 </a:solidFill>
               </a:rPr>
-              <a:t>Code design</a:t>
-            </a:r>
-          </a:p>
-          <a:p>
-            <a:r>
-              <a:rPr lang="en-US" sz="3200" dirty="0">
-                <a:solidFill>
-                  <a:srgbClr val="00B0F0"/>
-                </a:solidFill>
-              </a:rPr>
               <a:t>Demonstration</a:t>
             </a:r>
           </a:p>
@@ -3922,6 +4110,41 @@
             <a:pPr marL="0" indent="0">
               <a:buNone/>
             </a:pPr>
+            <a:endParaRPr lang="en-US" dirty="0"/>
+          </a:p>
+        </p:txBody>
+      </p:sp>
+      <p:sp>
+        <p:nvSpPr>
+          <p:cNvPr id="4" name="Slide Number Placeholder 3">
+            <a:extLst>
+              <a:ext uri="{FF2B5EF4-FFF2-40B4-BE49-F238E27FC236}">
+                <a16:creationId xmlns:a16="http://schemas.microsoft.com/office/drawing/2014/main" id="{758FF85A-3783-4C96-9480-C89885E92DE8}"/>
+              </a:ext>
+            </a:extLst>
+          </p:cNvPr>
+          <p:cNvSpPr>
+            <a:spLocks noGrp="1"/>
+          </p:cNvSpPr>
+          <p:nvPr>
+            <p:ph type="sldNum" sz="quarter" idx="12"/>
+          </p:nvPr>
+        </p:nvSpPr>
+        <p:spPr>
+          <a:xfrm>
+            <a:off x="8977923" y="6356350"/>
+            <a:ext cx="2743200" cy="365125"/>
+          </a:xfrm>
+        </p:spPr>
+        <p:txBody>
+          <a:bodyPr/>
+          <a:lstStyle/>
+          <a:p>
+            <a:fld id="{D57F1E4F-1CFF-5643-939E-217C01CDF565}" type="slidenum">
+              <a:rPr lang="en-US" smtClean="0"/>
+              <a:pPr/>
+              <a:t>2</a:t>
+            </a:fld>
             <a:endParaRPr lang="en-US" dirty="0"/>
           </a:p>
         </p:txBody>
@@ -4238,14 +4461,49 @@
         </p:blipFill>
         <p:spPr>
           <a:xfrm>
-            <a:off x="4350779" y="3148663"/>
-            <a:ext cx="7688143" cy="3491155"/>
+            <a:off x="4156046" y="3129398"/>
+            <a:ext cx="7197754" cy="3268471"/>
           </a:xfrm>
           <a:prstGeom prst="rect">
             <a:avLst/>
           </a:prstGeom>
         </p:spPr>
       </p:pic>
+      <p:sp>
+        <p:nvSpPr>
+          <p:cNvPr id="4" name="Slide Number Placeholder 3">
+            <a:extLst>
+              <a:ext uri="{FF2B5EF4-FFF2-40B4-BE49-F238E27FC236}">
+                <a16:creationId xmlns:a16="http://schemas.microsoft.com/office/drawing/2014/main" id="{72940A56-0730-4D8F-BC92-93C59D3C77CF}"/>
+              </a:ext>
+            </a:extLst>
+          </p:cNvPr>
+          <p:cNvSpPr>
+            <a:spLocks noGrp="1"/>
+          </p:cNvSpPr>
+          <p:nvPr>
+            <p:ph type="sldNum" sz="quarter" idx="12"/>
+          </p:nvPr>
+        </p:nvSpPr>
+        <p:spPr>
+          <a:xfrm>
+            <a:off x="9001369" y="6436128"/>
+            <a:ext cx="2743200" cy="365125"/>
+          </a:xfrm>
+        </p:spPr>
+        <p:txBody>
+          <a:bodyPr/>
+          <a:lstStyle/>
+          <a:p>
+            <a:fld id="{D57F1E4F-1CFF-5643-939E-217C01CDF565}" type="slidenum">
+              <a:rPr lang="en-US" smtClean="0"/>
+              <a:pPr/>
+              <a:t>3</a:t>
+            </a:fld>
+            <a:endParaRPr lang="en-US" dirty="0"/>
+          </a:p>
+        </p:txBody>
+      </p:sp>
     </p:spTree>
     <p:extLst>
       <p:ext uri="{BB962C8B-B14F-4D97-AF65-F5344CB8AC3E}">
@@ -4294,7 +4552,7 @@
         </p:nvSpPr>
         <p:spPr>
           <a:xfrm>
-            <a:off x="75825" y="170749"/>
+            <a:off x="75825" y="72736"/>
             <a:ext cx="9905998" cy="997527"/>
           </a:xfrm>
         </p:spPr>
@@ -4333,7 +4591,7 @@
         </p:spPr>
         <p:txBody>
           <a:bodyPr>
-            <a:normAutofit fontScale="85000" lnSpcReduction="10000"/>
+            <a:normAutofit fontScale="85000" lnSpcReduction="20000"/>
           </a:bodyPr>
           <a:lstStyle/>
           <a:p>
@@ -4343,8 +4601,15 @@
                   <a:srgbClr val="00B0F0"/>
                 </a:solidFill>
               </a:rPr>
-              <a:t>For Project-2 I wanted to create a dashboard page for ticket monitoring.</a:t>
-            </a:r>
+              <a:t>For Project-2 I wanted to created a dashboard page for my teams ticket monitoring.</a:t>
+            </a:r>
+          </a:p>
+          <a:p>
+            <a:endParaRPr lang="en-US" sz="900" dirty="0">
+              <a:solidFill>
+                <a:srgbClr val="00B0F0"/>
+              </a:solidFill>
+            </a:endParaRPr>
           </a:p>
           <a:p>
             <a:r>
@@ -4353,7 +4618,7 @@
                   <a:srgbClr val="00B0F0"/>
                 </a:solidFill>
               </a:rPr>
-              <a:t>The dashboard will need to identify:</a:t>
+              <a:t>The dashboard identify:</a:t>
             </a:r>
           </a:p>
           <a:p>
@@ -4381,7 +4646,7 @@
             <a:pPr lvl="1"/>
             <a:r>
               <a:rPr lang="en-US" sz="2600" dirty="0"/>
-              <a:t>Which tickets were automatically closed?</a:t>
+              <a:t>How many tickets were automatically closed?</a:t>
             </a:r>
           </a:p>
           <a:p>
@@ -4399,7 +4664,7 @@
                   <a:srgbClr val="00B0F0"/>
                 </a:solidFill>
               </a:rPr>
-              <a:t>For the data source I used an old Splunk .csv file that I added to a SQL DB created in PGAdmin.</a:t>
+              <a:t>For the data source use an old Splunk .csv file with 30 days of data containing over a 1,000 rows, then add the file to a SQL DB.</a:t>
             </a:r>
           </a:p>
           <a:p>
@@ -4457,6 +4722,41 @@
           </a:prstGeom>
         </p:spPr>
       </p:pic>
+      <p:sp>
+        <p:nvSpPr>
+          <p:cNvPr id="5" name="Slide Number Placeholder 4">
+            <a:extLst>
+              <a:ext uri="{FF2B5EF4-FFF2-40B4-BE49-F238E27FC236}">
+                <a16:creationId xmlns:a16="http://schemas.microsoft.com/office/drawing/2014/main" id="{3BB023D4-4D93-4D81-92E7-EF62E55C1B83}"/>
+              </a:ext>
+            </a:extLst>
+          </p:cNvPr>
+          <p:cNvSpPr>
+            <a:spLocks noGrp="1"/>
+          </p:cNvSpPr>
+          <p:nvPr>
+            <p:ph type="sldNum" sz="quarter" idx="12"/>
+          </p:nvPr>
+        </p:nvSpPr>
+        <p:spPr>
+          <a:xfrm>
+            <a:off x="9040446" y="6312388"/>
+            <a:ext cx="2743200" cy="365125"/>
+          </a:xfrm>
+        </p:spPr>
+        <p:txBody>
+          <a:bodyPr/>
+          <a:lstStyle/>
+          <a:p>
+            <a:fld id="{D57F1E4F-1CFF-5643-939E-217C01CDF565}" type="slidenum">
+              <a:rPr lang="en-US" smtClean="0"/>
+              <a:pPr/>
+              <a:t>4</a:t>
+            </a:fld>
+            <a:endParaRPr lang="en-US" dirty="0"/>
+          </a:p>
+        </p:txBody>
+      </p:sp>
     </p:spTree>
     <p:extLst>
       <p:ext uri="{BB962C8B-B14F-4D97-AF65-F5344CB8AC3E}">
@@ -4492,7 +4792,7 @@
           <p:cNvPr id="2" name="Title 1">
             <a:extLst>
               <a:ext uri="{FF2B5EF4-FFF2-40B4-BE49-F238E27FC236}">
-                <a16:creationId xmlns:a16="http://schemas.microsoft.com/office/drawing/2014/main" id="{151A70B6-244A-2A40-8432-ECA139AC516E}"/>
+                <a16:creationId xmlns:a16="http://schemas.microsoft.com/office/drawing/2014/main" id="{06B94B72-60BC-AD47-BDC8-A96CD071596A}"/>
               </a:ext>
             </a:extLst>
           </p:cNvPr>
@@ -4503,22 +4803,63 @@
             <p:ph type="title"/>
           </p:nvPr>
         </p:nvSpPr>
-        <p:spPr/>
-        <p:txBody>
-          <a:bodyPr/>
-          <a:lstStyle/>
-          <a:p>
+        <p:spPr>
+          <a:xfrm>
+            <a:off x="838200" y="2329007"/>
+            <a:ext cx="10515600" cy="1325563"/>
+          </a:xfrm>
+        </p:spPr>
+        <p:txBody>
+          <a:bodyPr/>
+          <a:lstStyle/>
+          <a:p>
+            <a:pPr algn="ctr"/>
             <a:r>
               <a:rPr lang="en-US" dirty="0"/>
-              <a:t>Code Design</a:t>
-            </a:r>
+              <a:t>Demonstration</a:t>
+            </a:r>
+          </a:p>
+        </p:txBody>
+      </p:sp>
+      <p:sp>
+        <p:nvSpPr>
+          <p:cNvPr id="3" name="Slide Number Placeholder 2">
+            <a:extLst>
+              <a:ext uri="{FF2B5EF4-FFF2-40B4-BE49-F238E27FC236}">
+                <a16:creationId xmlns:a16="http://schemas.microsoft.com/office/drawing/2014/main" id="{83030344-2D89-4750-BF4D-2B1D684F0F84}"/>
+              </a:ext>
+            </a:extLst>
+          </p:cNvPr>
+          <p:cNvSpPr>
+            <a:spLocks noGrp="1"/>
+          </p:cNvSpPr>
+          <p:nvPr>
+            <p:ph type="sldNum" sz="quarter" idx="12"/>
+          </p:nvPr>
+        </p:nvSpPr>
+        <p:spPr>
+          <a:xfrm>
+            <a:off x="9079524" y="6356350"/>
+            <a:ext cx="2743200" cy="365125"/>
+          </a:xfrm>
+        </p:spPr>
+        <p:txBody>
+          <a:bodyPr/>
+          <a:lstStyle/>
+          <a:p>
+            <a:fld id="{D57F1E4F-1CFF-5643-939E-217C01CDF565}" type="slidenum">
+              <a:rPr lang="en-US" smtClean="0"/>
+              <a:pPr/>
+              <a:t>5</a:t>
+            </a:fld>
+            <a:endParaRPr lang="en-US" dirty="0"/>
           </a:p>
         </p:txBody>
       </p:sp>
     </p:spTree>
     <p:extLst>
       <p:ext uri="{BB962C8B-B14F-4D97-AF65-F5344CB8AC3E}">
-        <p14:creationId xmlns:p14="http://schemas.microsoft.com/office/powerpoint/2010/main" val="3153955309"/>
+        <p14:creationId xmlns:p14="http://schemas.microsoft.com/office/powerpoint/2010/main" val="210661603"/>
       </p:ext>
     </p:extLst>
   </p:cSld>
@@ -4547,74 +4888,45 @@
       </p:grpSpPr>
       <p:sp>
         <p:nvSpPr>
-          <p:cNvPr id="2" name="Title 1">
-            <a:extLst>
-              <a:ext uri="{FF2B5EF4-FFF2-40B4-BE49-F238E27FC236}">
-                <a16:creationId xmlns:a16="http://schemas.microsoft.com/office/drawing/2014/main" id="{06B94B72-60BC-AD47-BDC8-A96CD071596A}"/>
-              </a:ext>
-            </a:extLst>
-          </p:cNvPr>
-          <p:cNvSpPr>
-            <a:spLocks noGrp="1"/>
-          </p:cNvSpPr>
-          <p:nvPr>
-            <p:ph type="title"/>
+          <p:cNvPr id="3" name="Slide Number Placeholder 2">
+            <a:extLst>
+              <a:ext uri="{FF2B5EF4-FFF2-40B4-BE49-F238E27FC236}">
+                <a16:creationId xmlns:a16="http://schemas.microsoft.com/office/drawing/2014/main" id="{83030344-2D89-4750-BF4D-2B1D684F0F84}"/>
+              </a:ext>
+            </a:extLst>
+          </p:cNvPr>
+          <p:cNvSpPr>
+            <a:spLocks noGrp="1"/>
+          </p:cNvSpPr>
+          <p:nvPr>
+            <p:ph type="sldNum" sz="quarter" idx="12"/>
           </p:nvPr>
         </p:nvSpPr>
         <p:spPr>
           <a:xfrm>
-            <a:off x="838200" y="2329007"/>
-            <a:ext cx="10515600" cy="1325563"/>
+            <a:off x="9079524" y="6356350"/>
+            <a:ext cx="2743200" cy="365125"/>
           </a:xfrm>
         </p:spPr>
         <p:txBody>
           <a:bodyPr/>
           <a:lstStyle/>
           <a:p>
-            <a:pPr algn="ctr"/>
-            <a:r>
-              <a:rPr lang="en-US" dirty="0"/>
-              <a:t>Demonstration</a:t>
-            </a:r>
-          </a:p>
-        </p:txBody>
-      </p:sp>
-    </p:spTree>
-    <p:extLst>
-      <p:ext uri="{BB962C8B-B14F-4D97-AF65-F5344CB8AC3E}">
-        <p14:creationId xmlns:p14="http://schemas.microsoft.com/office/powerpoint/2010/main" val="210661603"/>
-      </p:ext>
-    </p:extLst>
-  </p:cSld>
-  <p:clrMapOvr>
-    <a:masterClrMapping/>
-  </p:clrMapOvr>
-</p:sld>
-</file>
-
-<file path=ppt/slides/slide7.xml><?xml version="1.0" encoding="utf-8"?>
-<p:sld xmlns:a="http://schemas.openxmlformats.org/drawingml/2006/main" xmlns:r="http://schemas.openxmlformats.org/officeDocument/2006/relationships" xmlns:p="http://schemas.openxmlformats.org/presentationml/2006/main">
-  <p:cSld>
-    <p:spTree>
-      <p:nvGrpSpPr>
-        <p:cNvPr id="1" name=""/>
-        <p:cNvGrpSpPr/>
-        <p:nvPr/>
-      </p:nvGrpSpPr>
-      <p:grpSpPr>
-        <a:xfrm>
-          <a:off x="0" y="0"/>
-          <a:ext cx="0" cy="0"/>
-          <a:chOff x="0" y="0"/>
-          <a:chExt cx="0" cy="0"/>
-        </a:xfrm>
-      </p:grpSpPr>
+            <a:fld id="{D57F1E4F-1CFF-5643-939E-217C01CDF565}" type="slidenum">
+              <a:rPr lang="en-US" smtClean="0"/>
+              <a:pPr/>
+              <a:t>6</a:t>
+            </a:fld>
+            <a:endParaRPr lang="en-US" dirty="0"/>
+          </a:p>
+        </p:txBody>
+      </p:sp>
       <p:sp>
         <p:nvSpPr>
           <p:cNvPr id="4" name="Title 1">
             <a:extLst>
               <a:ext uri="{FF2B5EF4-FFF2-40B4-BE49-F238E27FC236}">
-                <a16:creationId xmlns:a16="http://schemas.microsoft.com/office/drawing/2014/main" id="{B38F974B-A265-0E4D-9B94-806E9CF081B8}"/>
+                <a16:creationId xmlns:a16="http://schemas.microsoft.com/office/drawing/2014/main" id="{520E1144-2E71-4A76-8B64-F96C641E2D6D}"/>
               </a:ext>
             </a:extLst>
           </p:cNvPr>
@@ -4625,8 +4937,8 @@
         </p:nvSpPr>
         <p:spPr>
           <a:xfrm>
-            <a:off x="1906875" y="2545773"/>
-            <a:ext cx="8676222" cy="1257300"/>
+            <a:off x="533399" y="85993"/>
+            <a:ext cx="10515600" cy="1325563"/>
           </a:xfrm>
           <a:prstGeom prst="rect">
             <a:avLst/>
@@ -4656,18 +4968,93 @@
             </a:lvl1pPr>
           </a:lstStyle>
           <a:p>
-            <a:pPr algn="ctr"/>
             <a:r>
               <a:rPr lang="en-US" dirty="0"/>
-              <a:t>Questions</a:t>
-            </a:r>
+              <a:t>What did I learn?</a:t>
+            </a:r>
+          </a:p>
+        </p:txBody>
+      </p:sp>
+      <p:sp>
+        <p:nvSpPr>
+          <p:cNvPr id="7" name="Content Placeholder 2">
+            <a:extLst>
+              <a:ext uri="{FF2B5EF4-FFF2-40B4-BE49-F238E27FC236}">
+                <a16:creationId xmlns:a16="http://schemas.microsoft.com/office/drawing/2014/main" id="{BF540BFA-097B-4B00-8741-2CEA22C9D1D1}"/>
+              </a:ext>
+            </a:extLst>
+          </p:cNvPr>
+          <p:cNvSpPr>
+            <a:spLocks noGrp="1"/>
+          </p:cNvSpPr>
+          <p:nvPr>
+            <p:ph idx="1"/>
+          </p:nvPr>
+        </p:nvSpPr>
+        <p:spPr>
+          <a:xfrm>
+            <a:off x="838200" y="1690688"/>
+            <a:ext cx="9905998" cy="3124201"/>
+          </a:xfrm>
+        </p:spPr>
+        <p:txBody>
+          <a:bodyPr/>
+          <a:lstStyle/>
+          <a:p>
+            <a:r>
+              <a:rPr lang="en-US" sz="3200" dirty="0">
+                <a:solidFill>
+                  <a:srgbClr val="00B0F0"/>
+                </a:solidFill>
+              </a:rPr>
+              <a:t>API feed will need to be added for better dynamic refresh and lookup.</a:t>
+            </a:r>
+          </a:p>
+          <a:p>
+            <a:r>
+              <a:rPr lang="en-US" sz="3200" dirty="0">
+                <a:solidFill>
+                  <a:srgbClr val="00B0F0"/>
+                </a:solidFill>
+              </a:rPr>
+              <a:t>Need to research permissions to secure site, key, 2FA?</a:t>
+            </a:r>
+          </a:p>
+          <a:p>
+            <a:r>
+              <a:rPr lang="en-US" sz="3200" dirty="0">
+                <a:solidFill>
+                  <a:srgbClr val="00B0F0"/>
+                </a:solidFill>
+              </a:rPr>
+              <a:t>Work to integrate better </a:t>
+            </a:r>
+            <a:r>
+              <a:rPr lang="en-US" sz="3200">
+                <a:solidFill>
+                  <a:srgbClr val="00B0F0"/>
+                </a:solidFill>
+              </a:rPr>
+              <a:t>d3 objects?</a:t>
+            </a:r>
+            <a:endParaRPr lang="en-US" dirty="0">
+              <a:solidFill>
+                <a:srgbClr val="00B0F0"/>
+              </a:solidFill>
+            </a:endParaRPr>
+          </a:p>
+          <a:p>
+            <a:pPr marL="0" indent="0">
+              <a:buNone/>
+            </a:pPr>
+            <a:endParaRPr lang="en-US" dirty="0"/>
           </a:p>
         </p:txBody>
       </p:sp>
     </p:spTree>
     <p:extLst>
       <p:ext uri="{BB962C8B-B14F-4D97-AF65-F5344CB8AC3E}">
-        <p14:creationId xmlns:p14="http://schemas.microsoft.com/office/powerpoint/2010/main" val="1953931942"/>
+        <p14:creationId xmlns:p14="http://schemas.microsoft.com/office/powerpoint/2010/main" val="4285047307"/>
       </p:ext>
     </p:extLst>
   </p:cSld>

--- a/Project_2.pptx
+++ b/Project_2.pptx
@@ -202,7 +202,7 @@
           <a:p>
             <a:fld id="{0A2BB06A-24CB-F246-9077-B03F54F6CDAF}" type="datetimeFigureOut">
               <a:rPr lang="en-US" smtClean="0"/>
-              <a:t>8/20/2021</a:t>
+              <a:t>8/21/2021</a:t>
             </a:fld>
             <a:endParaRPr lang="en-US"/>
           </a:p>
@@ -616,7 +616,7 @@
           <a:p>
             <a:fld id="{C32E9785-9DC4-4855-8E2B-A30A0C0B5C22}" type="datetime1">
               <a:rPr lang="en-US" smtClean="0"/>
-              <a:t>8/20/2021</a:t>
+              <a:t>8/21/2021</a:t>
             </a:fld>
             <a:endParaRPr lang="en-US" dirty="0"/>
           </a:p>
@@ -815,7 +815,7 @@
           <a:p>
             <a:fld id="{D9F83E92-1EB5-49DA-9BB5-14A3B62C7CB9}" type="datetime1">
               <a:rPr lang="en-US" smtClean="0"/>
-              <a:t>8/20/2021</a:t>
+              <a:t>8/21/2021</a:t>
             </a:fld>
             <a:endParaRPr lang="en-US" dirty="0"/>
           </a:p>
@@ -1024,7 +1024,7 @@
           <a:p>
             <a:fld id="{B1313931-B940-40C1-A4B7-97FB6E2842D2}" type="datetime1">
               <a:rPr lang="en-US" smtClean="0"/>
-              <a:t>8/20/2021</a:t>
+              <a:t>8/21/2021</a:t>
             </a:fld>
             <a:endParaRPr lang="en-US" dirty="0"/>
           </a:p>
@@ -1223,7 +1223,7 @@
           <a:p>
             <a:fld id="{4B287278-56C0-432F-A3C7-004ED0FA0A9B}" type="datetime1">
               <a:rPr lang="en-US" smtClean="0"/>
-              <a:t>8/20/2021</a:t>
+              <a:t>8/21/2021</a:t>
             </a:fld>
             <a:endParaRPr lang="en-US" dirty="0"/>
           </a:p>
@@ -1499,7 +1499,7 @@
           <a:p>
             <a:fld id="{A89DFF3F-BEBC-413E-B48B-A65D6BDC7CB9}" type="datetime1">
               <a:rPr lang="en-US" smtClean="0"/>
-              <a:t>8/20/2021</a:t>
+              <a:t>8/21/2021</a:t>
             </a:fld>
             <a:endParaRPr lang="en-US" dirty="0"/>
           </a:p>
@@ -1765,7 +1765,7 @@
           <a:p>
             <a:fld id="{2FB72ED2-B025-4A28-87A8-AD6A8687C9EF}" type="datetime1">
               <a:rPr lang="en-US" smtClean="0"/>
-              <a:t>8/20/2021</a:t>
+              <a:t>8/21/2021</a:t>
             </a:fld>
             <a:endParaRPr lang="en-US" dirty="0"/>
           </a:p>
@@ -2178,7 +2178,7 @@
           <a:p>
             <a:fld id="{CA8CC748-664A-4239-8E71-CBACA8AB8B82}" type="datetime1">
               <a:rPr lang="en-US" smtClean="0"/>
-              <a:t>8/20/2021</a:t>
+              <a:t>8/21/2021</a:t>
             </a:fld>
             <a:endParaRPr lang="en-US" dirty="0"/>
           </a:p>
@@ -2320,7 +2320,7 @@
           <a:p>
             <a:fld id="{7DC24A22-6841-4E80-8E23-59289C4EA259}" type="datetime1">
               <a:rPr lang="en-US" smtClean="0"/>
-              <a:t>8/20/2021</a:t>
+              <a:t>8/21/2021</a:t>
             </a:fld>
             <a:endParaRPr lang="en-US" dirty="0"/>
           </a:p>
@@ -2434,7 +2434,7 @@
           <a:p>
             <a:fld id="{B00D0C8A-CD66-4D0F-BDB8-8C425D2B067E}" type="datetime1">
               <a:rPr lang="en-US" smtClean="0"/>
-              <a:t>8/20/2021</a:t>
+              <a:t>8/21/2021</a:t>
             </a:fld>
             <a:endParaRPr lang="en-US" dirty="0"/>
           </a:p>
@@ -2746,7 +2746,7 @@
           <a:p>
             <a:fld id="{3986CC35-51EB-45FA-8C4E-251FE65F8A09}" type="datetime1">
               <a:rPr lang="en-US" smtClean="0"/>
-              <a:t>8/20/2021</a:t>
+              <a:t>8/21/2021</a:t>
             </a:fld>
             <a:endParaRPr lang="en-US" dirty="0"/>
           </a:p>
@@ -3035,7 +3035,7 @@
           <a:p>
             <a:fld id="{DACD83BB-6338-4816-BE22-4DDB23A8ADD2}" type="datetime1">
               <a:rPr lang="en-US" smtClean="0"/>
-              <a:t>8/20/2021</a:t>
+              <a:t>8/21/2021</a:t>
             </a:fld>
             <a:endParaRPr lang="en-US" dirty="0"/>
           </a:p>
@@ -3277,7 +3277,7 @@
           <a:p>
             <a:fld id="{CCA25674-2999-4E8F-ACFB-8D896CD95EDC}" type="datetime1">
               <a:rPr lang="en-US" smtClean="0"/>
-              <a:t>8/20/2021</a:t>
+              <a:t>8/21/2021</a:t>
             </a:fld>
             <a:endParaRPr lang="en-US" dirty="0"/>
           </a:p>
@@ -4601,7 +4601,7 @@
                   <a:srgbClr val="00B0F0"/>
                 </a:solidFill>
               </a:rPr>
-              <a:t>For Project-2 I wanted to created a dashboard page for my teams ticket monitoring.</a:t>
+              <a:t>For Project-2 I wanted to created a dashboard page to monitor my teams log events.</a:t>
             </a:r>
           </a:p>
           <a:p>
@@ -4618,7 +4618,7 @@
                   <a:srgbClr val="00B0F0"/>
                 </a:solidFill>
               </a:rPr>
-              <a:t>The dashboard identify:</a:t>
+              <a:t>The dashboard will identify:</a:t>
             </a:r>
           </a:p>
           <a:p>
@@ -4664,7 +4664,7 @@
                   <a:srgbClr val="00B0F0"/>
                 </a:solidFill>
               </a:rPr>
-              <a:t>For the data source use an old Splunk .csv file with 30 days of data containing over a 1,000 rows, then add the file to a SQL DB.</a:t>
+              <a:t>For the data source I used an old Splunk .csv file with 30 days of data containing over a 1,000 rows, then add the file to a SQL DB.</a:t>
             </a:r>
           </a:p>
           <a:p>

--- a/Project_2.pptx
+++ b/Project_2.pptx
@@ -202,7 +202,7 @@
           <a:p>
             <a:fld id="{0A2BB06A-24CB-F246-9077-B03F54F6CDAF}" type="datetimeFigureOut">
               <a:rPr lang="en-US" smtClean="0"/>
-              <a:t>8/21/2021</a:t>
+              <a:t>8/24/2021</a:t>
             </a:fld>
             <a:endParaRPr lang="en-US"/>
           </a:p>
@@ -469,6 +469,90 @@
 </p:notesMaster>
 </file>
 
+<file path=ppt/notesSlides/notesSlide1.xml><?xml version="1.0" encoding="utf-8"?>
+<p:notes xmlns:a="http://schemas.openxmlformats.org/drawingml/2006/main" xmlns:r="http://schemas.openxmlformats.org/officeDocument/2006/relationships" xmlns:p="http://schemas.openxmlformats.org/presentationml/2006/main">
+  <p:cSld>
+    <p:spTree>
+      <p:nvGrpSpPr>
+        <p:cNvPr id="1" name=""/>
+        <p:cNvGrpSpPr/>
+        <p:nvPr/>
+      </p:nvGrpSpPr>
+      <p:grpSpPr>
+        <a:xfrm>
+          <a:off x="0" y="0"/>
+          <a:ext cx="0" cy="0"/>
+          <a:chOff x="0" y="0"/>
+          <a:chExt cx="0" cy="0"/>
+        </a:xfrm>
+      </p:grpSpPr>
+      <p:sp>
+        <p:nvSpPr>
+          <p:cNvPr id="2" name="Slide Image Placeholder 1"/>
+          <p:cNvSpPr>
+            <a:spLocks noGrp="1" noRot="1" noChangeAspect="1"/>
+          </p:cNvSpPr>
+          <p:nvPr>
+            <p:ph type="sldImg"/>
+          </p:nvPr>
+        </p:nvSpPr>
+        <p:spPr/>
+      </p:sp>
+      <p:sp>
+        <p:nvSpPr>
+          <p:cNvPr id="3" name="Notes Placeholder 2"/>
+          <p:cNvSpPr>
+            <a:spLocks noGrp="1"/>
+          </p:cNvSpPr>
+          <p:nvPr>
+            <p:ph type="body" idx="1"/>
+          </p:nvPr>
+        </p:nvSpPr>
+        <p:spPr/>
+        <p:txBody>
+          <a:bodyPr/>
+          <a:lstStyle/>
+          <a:p>
+            <a:endParaRPr lang="en-US" dirty="0"/>
+          </a:p>
+        </p:txBody>
+      </p:sp>
+      <p:sp>
+        <p:nvSpPr>
+          <p:cNvPr id="4" name="Slide Number Placeholder 3"/>
+          <p:cNvSpPr>
+            <a:spLocks noGrp="1"/>
+          </p:cNvSpPr>
+          <p:nvPr>
+            <p:ph type="sldNum" sz="quarter" idx="5"/>
+          </p:nvPr>
+        </p:nvSpPr>
+        <p:spPr/>
+        <p:txBody>
+          <a:bodyPr/>
+          <a:lstStyle/>
+          <a:p>
+            <a:fld id="{DCD34275-18D7-3941-9C00-31EDF67D9FBB}" type="slidenum">
+              <a:rPr lang="en-US" smtClean="0"/>
+              <a:t>1</a:t>
+            </a:fld>
+            <a:endParaRPr lang="en-US"/>
+          </a:p>
+        </p:txBody>
+      </p:sp>
+    </p:spTree>
+    <p:extLst>
+      <p:ext uri="{BB962C8B-B14F-4D97-AF65-F5344CB8AC3E}">
+        <p14:creationId xmlns:p14="http://schemas.microsoft.com/office/powerpoint/2010/main" val="1634410606"/>
+      </p:ext>
+    </p:extLst>
+  </p:cSld>
+  <p:clrMapOvr>
+    <a:masterClrMapping/>
+  </p:clrMapOvr>
+</p:notes>
+</file>
+
 <file path=ppt/slideLayouts/slideLayout1.xml><?xml version="1.0" encoding="utf-8"?>
 <p:sldLayout xmlns:a="http://schemas.openxmlformats.org/drawingml/2006/main" xmlns:r="http://schemas.openxmlformats.org/officeDocument/2006/relationships" xmlns:p="http://schemas.openxmlformats.org/presentationml/2006/main" type="title" preserve="1">
   <p:cSld name="Title Slide">
@@ -616,7 +700,7 @@
           <a:p>
             <a:fld id="{C32E9785-9DC4-4855-8E2B-A30A0C0B5C22}" type="datetime1">
               <a:rPr lang="en-US" smtClean="0"/>
-              <a:t>8/21/2021</a:t>
+              <a:t>8/24/2021</a:t>
             </a:fld>
             <a:endParaRPr lang="en-US" dirty="0"/>
           </a:p>
@@ -815,7 +899,7 @@
           <a:p>
             <a:fld id="{D9F83E92-1EB5-49DA-9BB5-14A3B62C7CB9}" type="datetime1">
               <a:rPr lang="en-US" smtClean="0"/>
-              <a:t>8/21/2021</a:t>
+              <a:t>8/24/2021</a:t>
             </a:fld>
             <a:endParaRPr lang="en-US" dirty="0"/>
           </a:p>
@@ -1024,7 +1108,7 @@
           <a:p>
             <a:fld id="{B1313931-B940-40C1-A4B7-97FB6E2842D2}" type="datetime1">
               <a:rPr lang="en-US" smtClean="0"/>
-              <a:t>8/21/2021</a:t>
+              <a:t>8/24/2021</a:t>
             </a:fld>
             <a:endParaRPr lang="en-US" dirty="0"/>
           </a:p>
@@ -1223,7 +1307,7 @@
           <a:p>
             <a:fld id="{4B287278-56C0-432F-A3C7-004ED0FA0A9B}" type="datetime1">
               <a:rPr lang="en-US" smtClean="0"/>
-              <a:t>8/21/2021</a:t>
+              <a:t>8/24/2021</a:t>
             </a:fld>
             <a:endParaRPr lang="en-US" dirty="0"/>
           </a:p>
@@ -1499,7 +1583,7 @@
           <a:p>
             <a:fld id="{A89DFF3F-BEBC-413E-B48B-A65D6BDC7CB9}" type="datetime1">
               <a:rPr lang="en-US" smtClean="0"/>
-              <a:t>8/21/2021</a:t>
+              <a:t>8/24/2021</a:t>
             </a:fld>
             <a:endParaRPr lang="en-US" dirty="0"/>
           </a:p>
@@ -1765,7 +1849,7 @@
           <a:p>
             <a:fld id="{2FB72ED2-B025-4A28-87A8-AD6A8687C9EF}" type="datetime1">
               <a:rPr lang="en-US" smtClean="0"/>
-              <a:t>8/21/2021</a:t>
+              <a:t>8/24/2021</a:t>
             </a:fld>
             <a:endParaRPr lang="en-US" dirty="0"/>
           </a:p>
@@ -2178,7 +2262,7 @@
           <a:p>
             <a:fld id="{CA8CC748-664A-4239-8E71-CBACA8AB8B82}" type="datetime1">
               <a:rPr lang="en-US" smtClean="0"/>
-              <a:t>8/21/2021</a:t>
+              <a:t>8/24/2021</a:t>
             </a:fld>
             <a:endParaRPr lang="en-US" dirty="0"/>
           </a:p>
@@ -2320,7 +2404,7 @@
           <a:p>
             <a:fld id="{7DC24A22-6841-4E80-8E23-59289C4EA259}" type="datetime1">
               <a:rPr lang="en-US" smtClean="0"/>
-              <a:t>8/21/2021</a:t>
+              <a:t>8/24/2021</a:t>
             </a:fld>
             <a:endParaRPr lang="en-US" dirty="0"/>
           </a:p>
@@ -2434,7 +2518,7 @@
           <a:p>
             <a:fld id="{B00D0C8A-CD66-4D0F-BDB8-8C425D2B067E}" type="datetime1">
               <a:rPr lang="en-US" smtClean="0"/>
-              <a:t>8/21/2021</a:t>
+              <a:t>8/24/2021</a:t>
             </a:fld>
             <a:endParaRPr lang="en-US" dirty="0"/>
           </a:p>
@@ -2746,7 +2830,7 @@
           <a:p>
             <a:fld id="{3986CC35-51EB-45FA-8C4E-251FE65F8A09}" type="datetime1">
               <a:rPr lang="en-US" smtClean="0"/>
-              <a:t>8/21/2021</a:t>
+              <a:t>8/24/2021</a:t>
             </a:fld>
             <a:endParaRPr lang="en-US" dirty="0"/>
           </a:p>
@@ -3035,7 +3119,7 @@
           <a:p>
             <a:fld id="{DACD83BB-6338-4816-BE22-4DDB23A8ADD2}" type="datetime1">
               <a:rPr lang="en-US" smtClean="0"/>
-              <a:t>8/21/2021</a:t>
+              <a:t>8/24/2021</a:t>
             </a:fld>
             <a:endParaRPr lang="en-US" dirty="0"/>
           </a:p>
@@ -3277,7 +3361,7 @@
           <a:p>
             <a:fld id="{CCA25674-2999-4E8F-ACFB-8D896CD95EDC}" type="datetime1">
               <a:rPr lang="en-US" smtClean="0"/>
-              <a:t>8/21/2021</a:t>
+              <a:t>8/24/2021</a:t>
             </a:fld>
             <a:endParaRPr lang="en-US" dirty="0"/>
           </a:p>
@@ -4681,7 +4765,23 @@
                   <a:srgbClr val="00B0F0"/>
                 </a:solidFill>
               </a:rPr>
-              <a:t> My script utilized python flask and includes, D3, HTML/CSS and one JS library.</a:t>
+              <a:t> My script utilized python flask and includes, D3, </a:t>
+            </a:r>
+            <a:r>
+              <a:rPr lang="en-US" sz="3200" dirty="0" err="1">
+                <a:solidFill>
+                  <a:srgbClr val="00B0F0"/>
+                </a:solidFill>
+              </a:rPr>
+              <a:t>Ploty</a:t>
+            </a:r>
+            <a:r>
+              <a:rPr lang="en-US" sz="3200" dirty="0">
+                <a:solidFill>
+                  <a:srgbClr val="00B0F0"/>
+                </a:solidFill>
+              </a:rPr>
+              <a:t>, HTML/CSS and one JS library.</a:t>
             </a:r>
           </a:p>
           <a:p>

--- a/Project_2.pptx
+++ b/Project_2.pptx
@@ -5,15 +5,16 @@
     <p:sldMasterId id="2147483668" r:id="rId1"/>
   </p:sldMasterIdLst>
   <p:notesMasterIdLst>
-    <p:notesMasterId r:id="rId8"/>
+    <p:notesMasterId r:id="rId9"/>
   </p:notesMasterIdLst>
   <p:sldIdLst>
     <p:sldId id="256" r:id="rId2"/>
     <p:sldId id="257" r:id="rId3"/>
     <p:sldId id="260" r:id="rId4"/>
     <p:sldId id="258" r:id="rId5"/>
-    <p:sldId id="263" r:id="rId6"/>
-    <p:sldId id="264" r:id="rId7"/>
+    <p:sldId id="265" r:id="rId6"/>
+    <p:sldId id="263" r:id="rId7"/>
+    <p:sldId id="264" r:id="rId8"/>
   </p:sldIdLst>
   <p:sldSz cx="12192000" cy="6858000"/>
   <p:notesSz cx="6858000" cy="9144000"/>
@@ -202,7 +203,7 @@
           <a:p>
             <a:fld id="{0A2BB06A-24CB-F246-9077-B03F54F6CDAF}" type="datetimeFigureOut">
               <a:rPr lang="en-US" smtClean="0"/>
-              <a:t>8/24/2021</a:t>
+              <a:t>9/3/2021</a:t>
             </a:fld>
             <a:endParaRPr lang="en-US"/>
           </a:p>
@@ -700,7 +701,7 @@
           <a:p>
             <a:fld id="{C32E9785-9DC4-4855-8E2B-A30A0C0B5C22}" type="datetime1">
               <a:rPr lang="en-US" smtClean="0"/>
-              <a:t>8/24/2021</a:t>
+              <a:t>9/3/2021</a:t>
             </a:fld>
             <a:endParaRPr lang="en-US" dirty="0"/>
           </a:p>
@@ -899,7 +900,7 @@
           <a:p>
             <a:fld id="{D9F83E92-1EB5-49DA-9BB5-14A3B62C7CB9}" type="datetime1">
               <a:rPr lang="en-US" smtClean="0"/>
-              <a:t>8/24/2021</a:t>
+              <a:t>9/3/2021</a:t>
             </a:fld>
             <a:endParaRPr lang="en-US" dirty="0"/>
           </a:p>
@@ -1108,7 +1109,7 @@
           <a:p>
             <a:fld id="{B1313931-B940-40C1-A4B7-97FB6E2842D2}" type="datetime1">
               <a:rPr lang="en-US" smtClean="0"/>
-              <a:t>8/24/2021</a:t>
+              <a:t>9/3/2021</a:t>
             </a:fld>
             <a:endParaRPr lang="en-US" dirty="0"/>
           </a:p>
@@ -1307,7 +1308,7 @@
           <a:p>
             <a:fld id="{4B287278-56C0-432F-A3C7-004ED0FA0A9B}" type="datetime1">
               <a:rPr lang="en-US" smtClean="0"/>
-              <a:t>8/24/2021</a:t>
+              <a:t>9/3/2021</a:t>
             </a:fld>
             <a:endParaRPr lang="en-US" dirty="0"/>
           </a:p>
@@ -1583,7 +1584,7 @@
           <a:p>
             <a:fld id="{A89DFF3F-BEBC-413E-B48B-A65D6BDC7CB9}" type="datetime1">
               <a:rPr lang="en-US" smtClean="0"/>
-              <a:t>8/24/2021</a:t>
+              <a:t>9/3/2021</a:t>
             </a:fld>
             <a:endParaRPr lang="en-US" dirty="0"/>
           </a:p>
@@ -1849,7 +1850,7 @@
           <a:p>
             <a:fld id="{2FB72ED2-B025-4A28-87A8-AD6A8687C9EF}" type="datetime1">
               <a:rPr lang="en-US" smtClean="0"/>
-              <a:t>8/24/2021</a:t>
+              <a:t>9/3/2021</a:t>
             </a:fld>
             <a:endParaRPr lang="en-US" dirty="0"/>
           </a:p>
@@ -2262,7 +2263,7 @@
           <a:p>
             <a:fld id="{CA8CC748-664A-4239-8E71-CBACA8AB8B82}" type="datetime1">
               <a:rPr lang="en-US" smtClean="0"/>
-              <a:t>8/24/2021</a:t>
+              <a:t>9/3/2021</a:t>
             </a:fld>
             <a:endParaRPr lang="en-US" dirty="0"/>
           </a:p>
@@ -2404,7 +2405,7 @@
           <a:p>
             <a:fld id="{7DC24A22-6841-4E80-8E23-59289C4EA259}" type="datetime1">
               <a:rPr lang="en-US" smtClean="0"/>
-              <a:t>8/24/2021</a:t>
+              <a:t>9/3/2021</a:t>
             </a:fld>
             <a:endParaRPr lang="en-US" dirty="0"/>
           </a:p>
@@ -2518,7 +2519,7 @@
           <a:p>
             <a:fld id="{B00D0C8A-CD66-4D0F-BDB8-8C425D2B067E}" type="datetime1">
               <a:rPr lang="en-US" smtClean="0"/>
-              <a:t>8/24/2021</a:t>
+              <a:t>9/3/2021</a:t>
             </a:fld>
             <a:endParaRPr lang="en-US" dirty="0"/>
           </a:p>
@@ -2830,7 +2831,7 @@
           <a:p>
             <a:fld id="{3986CC35-51EB-45FA-8C4E-251FE65F8A09}" type="datetime1">
               <a:rPr lang="en-US" smtClean="0"/>
-              <a:t>8/24/2021</a:t>
+              <a:t>9/3/2021</a:t>
             </a:fld>
             <a:endParaRPr lang="en-US" dirty="0"/>
           </a:p>
@@ -3119,7 +3120,7 @@
           <a:p>
             <a:fld id="{DACD83BB-6338-4816-BE22-4DDB23A8ADD2}" type="datetime1">
               <a:rPr lang="en-US" smtClean="0"/>
-              <a:t>8/24/2021</a:t>
+              <a:t>9/3/2021</a:t>
             </a:fld>
             <a:endParaRPr lang="en-US" dirty="0"/>
           </a:p>
@@ -3361,7 +3362,7 @@
           <a:p>
             <a:fld id="{CCA25674-2999-4E8F-ACFB-8D896CD95EDC}" type="datetime1">
               <a:rPr lang="en-US" smtClean="0"/>
-              <a:t>8/24/2021</a:t>
+              <a:t>9/3/2021</a:t>
             </a:fld>
             <a:endParaRPr lang="en-US" dirty="0"/>
           </a:p>
@@ -4892,7 +4893,7 @@
           <p:cNvPr id="2" name="Title 1">
             <a:extLst>
               <a:ext uri="{FF2B5EF4-FFF2-40B4-BE49-F238E27FC236}">
-                <a16:creationId xmlns:a16="http://schemas.microsoft.com/office/drawing/2014/main" id="{06B94B72-60BC-AD47-BDC8-A96CD071596A}"/>
+                <a16:creationId xmlns:a16="http://schemas.microsoft.com/office/drawing/2014/main" id="{55A4281B-23DA-4FC6-9663-0AE8D5F55970}"/>
               </a:ext>
             </a:extLst>
           </p:cNvPr>
@@ -4905,7 +4906,7 @@
         </p:nvSpPr>
         <p:spPr>
           <a:xfrm>
-            <a:off x="838200" y="2329007"/>
+            <a:off x="130272" y="84340"/>
             <a:ext cx="10515600" cy="1325563"/>
           </a:xfrm>
         </p:spPr>
@@ -4913,20 +4914,19 @@
           <a:bodyPr/>
           <a:lstStyle/>
           <a:p>
-            <a:pPr algn="ctr"/>
             <a:r>
               <a:rPr lang="en-US" dirty="0"/>
-              <a:t>Demonstration</a:t>
-            </a:r>
-          </a:p>
-        </p:txBody>
-      </p:sp>
-      <p:sp>
-        <p:nvSpPr>
-          <p:cNvPr id="3" name="Slide Number Placeholder 2">
-            <a:extLst>
-              <a:ext uri="{FF2B5EF4-FFF2-40B4-BE49-F238E27FC236}">
-                <a16:creationId xmlns:a16="http://schemas.microsoft.com/office/drawing/2014/main" id="{83030344-2D89-4750-BF4D-2B1D684F0F84}"/>
+              <a:t>Code Flow</a:t>
+            </a:r>
+          </a:p>
+        </p:txBody>
+      </p:sp>
+      <p:sp>
+        <p:nvSpPr>
+          <p:cNvPr id="4" name="Slide Number Placeholder 3">
+            <a:extLst>
+              <a:ext uri="{FF2B5EF4-FFF2-40B4-BE49-F238E27FC236}">
+                <a16:creationId xmlns:a16="http://schemas.microsoft.com/office/drawing/2014/main" id="{916F2969-5CFE-4275-B7EB-0C2AF5FB1D3B}"/>
               </a:ext>
             </a:extLst>
           </p:cNvPr>
@@ -4937,12 +4937,7 @@
             <p:ph type="sldNum" sz="quarter" idx="12"/>
           </p:nvPr>
         </p:nvSpPr>
-        <p:spPr>
-          <a:xfrm>
-            <a:off x="9079524" y="6356350"/>
-            <a:ext cx="2743200" cy="365125"/>
-          </a:xfrm>
-        </p:spPr>
+        <p:spPr/>
         <p:txBody>
           <a:bodyPr/>
           <a:lstStyle/>
@@ -4956,10 +4951,777 @@
           </a:p>
         </p:txBody>
       </p:sp>
+      <p:sp>
+        <p:nvSpPr>
+          <p:cNvPr id="5" name="Rectangle 4">
+            <a:extLst>
+              <a:ext uri="{FF2B5EF4-FFF2-40B4-BE49-F238E27FC236}">
+                <a16:creationId xmlns:a16="http://schemas.microsoft.com/office/drawing/2014/main" id="{562C315E-2F8E-41BA-B719-EF7723AD8F3C}"/>
+              </a:ext>
+            </a:extLst>
+          </p:cNvPr>
+          <p:cNvSpPr/>
+          <p:nvPr/>
+        </p:nvSpPr>
+        <p:spPr>
+          <a:xfrm>
+            <a:off x="563273" y="2259635"/>
+            <a:ext cx="1742831" cy="1420480"/>
+          </a:xfrm>
+          <a:prstGeom prst="rect">
+            <a:avLst/>
+          </a:prstGeom>
+        </p:spPr>
+        <p:style>
+          <a:lnRef idx="2">
+            <a:schemeClr val="accent1">
+              <a:shade val="50000"/>
+            </a:schemeClr>
+          </a:lnRef>
+          <a:fillRef idx="1">
+            <a:schemeClr val="accent1"/>
+          </a:fillRef>
+          <a:effectRef idx="0">
+            <a:schemeClr val="accent1"/>
+          </a:effectRef>
+          <a:fontRef idx="minor">
+            <a:schemeClr val="lt1"/>
+          </a:fontRef>
+        </p:style>
+        <p:txBody>
+          <a:bodyPr rtlCol="0" anchor="ctr"/>
+          <a:lstStyle/>
+          <a:p>
+            <a:pPr algn="ctr"/>
+            <a:r>
+              <a:rPr lang="en-US" b="1" dirty="0"/>
+              <a:t>Flask App </a:t>
+            </a:r>
+            <a:r>
+              <a:rPr lang="en-US" dirty="0"/>
+              <a:t>(app.py)</a:t>
+            </a:r>
+          </a:p>
+        </p:txBody>
+      </p:sp>
+      <p:sp>
+        <p:nvSpPr>
+          <p:cNvPr id="6" name="Rectangle 5">
+            <a:extLst>
+              <a:ext uri="{FF2B5EF4-FFF2-40B4-BE49-F238E27FC236}">
+                <a16:creationId xmlns:a16="http://schemas.microsoft.com/office/drawing/2014/main" id="{85D4B9D6-5BF0-457D-83BE-6BE4E75781CF}"/>
+              </a:ext>
+            </a:extLst>
+          </p:cNvPr>
+          <p:cNvSpPr/>
+          <p:nvPr/>
+        </p:nvSpPr>
+        <p:spPr>
+          <a:xfrm>
+            <a:off x="3172462" y="2259630"/>
+            <a:ext cx="1742831" cy="1467636"/>
+          </a:xfrm>
+          <a:prstGeom prst="rect">
+            <a:avLst/>
+          </a:prstGeom>
+        </p:spPr>
+        <p:style>
+          <a:lnRef idx="2">
+            <a:schemeClr val="accent1">
+              <a:shade val="50000"/>
+            </a:schemeClr>
+          </a:lnRef>
+          <a:fillRef idx="1">
+            <a:schemeClr val="accent1"/>
+          </a:fillRef>
+          <a:effectRef idx="0">
+            <a:schemeClr val="accent1"/>
+          </a:effectRef>
+          <a:fontRef idx="minor">
+            <a:schemeClr val="lt1"/>
+          </a:fontRef>
+        </p:style>
+        <p:txBody>
+          <a:bodyPr rtlCol="0" anchor="ctr"/>
+          <a:lstStyle/>
+          <a:p>
+            <a:pPr algn="ctr"/>
+            <a:r>
+              <a:rPr lang="en-US" b="1" dirty="0"/>
+              <a:t>HTML Page</a:t>
+            </a:r>
+          </a:p>
+        </p:txBody>
+      </p:sp>
+      <p:sp>
+        <p:nvSpPr>
+          <p:cNvPr id="7" name="Rectangle 6">
+            <a:extLst>
+              <a:ext uri="{FF2B5EF4-FFF2-40B4-BE49-F238E27FC236}">
+                <a16:creationId xmlns:a16="http://schemas.microsoft.com/office/drawing/2014/main" id="{7902F21F-70A9-4F3C-9D11-6002A6B5BCD9}"/>
+              </a:ext>
+            </a:extLst>
+          </p:cNvPr>
+          <p:cNvSpPr/>
+          <p:nvPr/>
+        </p:nvSpPr>
+        <p:spPr>
+          <a:xfrm>
+            <a:off x="563273" y="4249062"/>
+            <a:ext cx="1742831" cy="1420480"/>
+          </a:xfrm>
+          <a:prstGeom prst="rect">
+            <a:avLst/>
+          </a:prstGeom>
+        </p:spPr>
+        <p:style>
+          <a:lnRef idx="2">
+            <a:schemeClr val="accent1">
+              <a:shade val="50000"/>
+            </a:schemeClr>
+          </a:lnRef>
+          <a:fillRef idx="1">
+            <a:schemeClr val="accent1"/>
+          </a:fillRef>
+          <a:effectRef idx="0">
+            <a:schemeClr val="accent1"/>
+          </a:effectRef>
+          <a:fontRef idx="minor">
+            <a:schemeClr val="lt1"/>
+          </a:fontRef>
+        </p:style>
+        <p:txBody>
+          <a:bodyPr rtlCol="0" anchor="ctr"/>
+          <a:lstStyle/>
+          <a:p>
+            <a:pPr algn="ctr"/>
+            <a:r>
+              <a:rPr lang="en-US" b="1" dirty="0"/>
+              <a:t>SQL DB</a:t>
+            </a:r>
+          </a:p>
+          <a:p>
+            <a:pPr algn="ctr"/>
+            <a:r>
+              <a:rPr lang="en-US" dirty="0"/>
+              <a:t>(postgres)</a:t>
+            </a:r>
+          </a:p>
+        </p:txBody>
+      </p:sp>
+      <p:sp>
+        <p:nvSpPr>
+          <p:cNvPr id="8" name="Rectangle 7">
+            <a:extLst>
+              <a:ext uri="{FF2B5EF4-FFF2-40B4-BE49-F238E27FC236}">
+                <a16:creationId xmlns:a16="http://schemas.microsoft.com/office/drawing/2014/main" id="{17217095-56B0-4A36-9581-9D55CBDB933D}"/>
+              </a:ext>
+            </a:extLst>
+          </p:cNvPr>
+          <p:cNvSpPr/>
+          <p:nvPr/>
+        </p:nvSpPr>
+        <p:spPr>
+          <a:xfrm>
+            <a:off x="5861562" y="2259633"/>
+            <a:ext cx="1742831" cy="1467633"/>
+          </a:xfrm>
+          <a:prstGeom prst="rect">
+            <a:avLst/>
+          </a:prstGeom>
+        </p:spPr>
+        <p:style>
+          <a:lnRef idx="2">
+            <a:schemeClr val="accent1">
+              <a:shade val="50000"/>
+            </a:schemeClr>
+          </a:lnRef>
+          <a:fillRef idx="1">
+            <a:schemeClr val="accent1"/>
+          </a:fillRef>
+          <a:effectRef idx="0">
+            <a:schemeClr val="accent1"/>
+          </a:effectRef>
+          <a:fontRef idx="minor">
+            <a:schemeClr val="lt1"/>
+          </a:fontRef>
+        </p:style>
+        <p:txBody>
+          <a:bodyPr rtlCol="0" anchor="ctr"/>
+          <a:lstStyle/>
+          <a:p>
+            <a:pPr algn="ctr"/>
+            <a:r>
+              <a:rPr lang="en-US" b="1" dirty="0"/>
+              <a:t>JS</a:t>
+            </a:r>
+          </a:p>
+          <a:p>
+            <a:pPr algn="ctr"/>
+            <a:r>
+              <a:rPr lang="en-US" dirty="0"/>
+              <a:t>(app.js)</a:t>
+            </a:r>
+          </a:p>
+        </p:txBody>
+      </p:sp>
+      <p:sp>
+        <p:nvSpPr>
+          <p:cNvPr id="10" name="TextBox 9">
+            <a:extLst>
+              <a:ext uri="{FF2B5EF4-FFF2-40B4-BE49-F238E27FC236}">
+                <a16:creationId xmlns:a16="http://schemas.microsoft.com/office/drawing/2014/main" id="{D406A2C8-3902-44F2-94A7-08FFA84779D9}"/>
+              </a:ext>
+            </a:extLst>
+          </p:cNvPr>
+          <p:cNvSpPr txBox="1"/>
+          <p:nvPr/>
+        </p:nvSpPr>
+        <p:spPr>
+          <a:xfrm>
+            <a:off x="8340999" y="958090"/>
+            <a:ext cx="3560515" cy="6463308"/>
+          </a:xfrm>
+          <a:prstGeom prst="rect">
+            <a:avLst/>
+          </a:prstGeom>
+          <a:noFill/>
+        </p:spPr>
+        <p:txBody>
+          <a:bodyPr wrap="square" rtlCol="0">
+            <a:spAutoFit/>
+          </a:bodyPr>
+          <a:lstStyle/>
+          <a:p>
+            <a:pPr marL="342900" indent="-342900">
+              <a:buAutoNum type="arabicPeriod"/>
+            </a:pPr>
+            <a:r>
+              <a:rPr lang="en-US" dirty="0"/>
+              <a:t>Using the Flask framework a user initiates a request from app.py</a:t>
+            </a:r>
+          </a:p>
+          <a:p>
+            <a:pPr marL="342900" indent="-342900">
+              <a:buAutoNum type="arabicPeriod"/>
+            </a:pPr>
+            <a:r>
+              <a:rPr lang="en-US" dirty="0"/>
+              <a:t>The Flask app references instructions in app.py and returns an HTML page</a:t>
+            </a:r>
+          </a:p>
+          <a:p>
+            <a:pPr marL="342900" indent="-342900">
+              <a:buAutoNum type="arabicPeriod"/>
+            </a:pPr>
+            <a:r>
+              <a:rPr lang="en-US" dirty="0"/>
+              <a:t>The HTML page references JS (app.js) code instructions.</a:t>
+            </a:r>
+          </a:p>
+          <a:p>
+            <a:pPr marL="342900" indent="-342900">
+              <a:buAutoNum type="arabicPeriod"/>
+            </a:pPr>
+            <a:r>
+              <a:rPr lang="en-US" dirty="0"/>
+              <a:t>JS then makes a request back to Flask</a:t>
+            </a:r>
+          </a:p>
+          <a:p>
+            <a:pPr marL="342900" indent="-342900">
+              <a:buAutoNum type="arabicPeriod"/>
+            </a:pPr>
+            <a:r>
+              <a:rPr lang="en-US" dirty="0"/>
+              <a:t>Flask then requests data from the SQL DB</a:t>
+            </a:r>
+          </a:p>
+          <a:p>
+            <a:pPr marL="342900" indent="-342900">
+              <a:buAutoNum type="arabicPeriod"/>
+            </a:pPr>
+            <a:r>
+              <a:rPr lang="en-US" dirty="0"/>
+              <a:t>Data from the DB is shaped by PD and returned as JSON</a:t>
+            </a:r>
+          </a:p>
+          <a:p>
+            <a:pPr marL="342900" indent="-342900">
+              <a:buAutoNum type="arabicPeriod"/>
+            </a:pPr>
+            <a:r>
+              <a:rPr lang="en-US" dirty="0"/>
+              <a:t>Data is then rendered in HTML format referencing CSS for style</a:t>
+            </a:r>
+          </a:p>
+          <a:p>
+            <a:pPr marL="342900" indent="-342900">
+              <a:buAutoNum type="arabicPeriod"/>
+            </a:pPr>
+            <a:r>
+              <a:rPr lang="en-US" dirty="0"/>
+              <a:t>Any drop down request on the HTML page repeat steps 4 - 7</a:t>
+            </a:r>
+          </a:p>
+          <a:p>
+            <a:pPr marL="342900" indent="-342900">
+              <a:buAutoNum type="arabicPeriod"/>
+            </a:pPr>
+            <a:endParaRPr lang="en-US" dirty="0"/>
+          </a:p>
+          <a:p>
+            <a:pPr marL="342900" indent="-342900">
+              <a:buAutoNum type="arabicPeriod"/>
+            </a:pPr>
+            <a:endParaRPr lang="en-US" dirty="0"/>
+          </a:p>
+          <a:p>
+            <a:pPr marL="342900" indent="-342900">
+              <a:buAutoNum type="arabicPeriod"/>
+            </a:pPr>
+            <a:endParaRPr lang="en-US" dirty="0"/>
+          </a:p>
+          <a:p>
+            <a:pPr marL="342900" indent="-342900">
+              <a:buAutoNum type="arabicPeriod"/>
+            </a:pPr>
+            <a:endParaRPr lang="en-US" dirty="0"/>
+          </a:p>
+          <a:p>
+            <a:pPr marL="342900" indent="-342900">
+              <a:buAutoNum type="arabicPeriod"/>
+            </a:pPr>
+            <a:endParaRPr lang="en-US" dirty="0"/>
+          </a:p>
+        </p:txBody>
+      </p:sp>
+      <p:cxnSp>
+        <p:nvCxnSpPr>
+          <p:cNvPr id="14" name="Straight Arrow Connector 13">
+            <a:extLst>
+              <a:ext uri="{FF2B5EF4-FFF2-40B4-BE49-F238E27FC236}">
+                <a16:creationId xmlns:a16="http://schemas.microsoft.com/office/drawing/2014/main" id="{2D9A687E-F9DA-4892-B92A-7559FC0B0601}"/>
+              </a:ext>
+            </a:extLst>
+          </p:cNvPr>
+          <p:cNvCxnSpPr>
+            <a:cxnSpLocks/>
+          </p:cNvCxnSpPr>
+          <p:nvPr/>
+        </p:nvCxnSpPr>
+        <p:spPr>
+          <a:xfrm>
+            <a:off x="2542903" y="2970127"/>
+            <a:ext cx="330925" cy="0"/>
+          </a:xfrm>
+          <a:prstGeom prst="straightConnector1">
+            <a:avLst/>
+          </a:prstGeom>
+          <a:ln>
+            <a:tailEnd type="triangle"/>
+          </a:ln>
+        </p:spPr>
+        <p:style>
+          <a:lnRef idx="1">
+            <a:schemeClr val="accent1"/>
+          </a:lnRef>
+          <a:fillRef idx="0">
+            <a:schemeClr val="accent1"/>
+          </a:fillRef>
+          <a:effectRef idx="0">
+            <a:schemeClr val="accent1"/>
+          </a:effectRef>
+          <a:fontRef idx="minor">
+            <a:schemeClr val="tx1"/>
+          </a:fontRef>
+        </p:style>
+      </p:cxnSp>
+      <p:cxnSp>
+        <p:nvCxnSpPr>
+          <p:cNvPr id="15" name="Straight Arrow Connector 14">
+            <a:extLst>
+              <a:ext uri="{FF2B5EF4-FFF2-40B4-BE49-F238E27FC236}">
+                <a16:creationId xmlns:a16="http://schemas.microsoft.com/office/drawing/2014/main" id="{839528F8-4206-432A-9B3B-B5B5B3CF8613}"/>
+              </a:ext>
+            </a:extLst>
+          </p:cNvPr>
+          <p:cNvCxnSpPr>
+            <a:cxnSpLocks/>
+          </p:cNvCxnSpPr>
+          <p:nvPr/>
+        </p:nvCxnSpPr>
+        <p:spPr>
+          <a:xfrm flipV="1">
+            <a:off x="1371341" y="3835383"/>
+            <a:ext cx="0" cy="306857"/>
+          </a:xfrm>
+          <a:prstGeom prst="straightConnector1">
+            <a:avLst/>
+          </a:prstGeom>
+          <a:ln>
+            <a:tailEnd type="triangle"/>
+          </a:ln>
+        </p:spPr>
+        <p:style>
+          <a:lnRef idx="1">
+            <a:schemeClr val="accent1"/>
+          </a:lnRef>
+          <a:fillRef idx="0">
+            <a:schemeClr val="accent1"/>
+          </a:fillRef>
+          <a:effectRef idx="0">
+            <a:schemeClr val="accent1"/>
+          </a:effectRef>
+          <a:fontRef idx="minor">
+            <a:schemeClr val="tx1"/>
+          </a:fontRef>
+        </p:style>
+      </p:cxnSp>
+      <p:cxnSp>
+        <p:nvCxnSpPr>
+          <p:cNvPr id="18" name="Straight Arrow Connector 17">
+            <a:extLst>
+              <a:ext uri="{FF2B5EF4-FFF2-40B4-BE49-F238E27FC236}">
+                <a16:creationId xmlns:a16="http://schemas.microsoft.com/office/drawing/2014/main" id="{4D60F806-9D77-41DF-A5FF-C0F669E91DA7}"/>
+              </a:ext>
+            </a:extLst>
+          </p:cNvPr>
+          <p:cNvCxnSpPr>
+            <a:cxnSpLocks/>
+          </p:cNvCxnSpPr>
+          <p:nvPr/>
+        </p:nvCxnSpPr>
+        <p:spPr>
+          <a:xfrm flipH="1">
+            <a:off x="5196450" y="3123819"/>
+            <a:ext cx="383244" cy="0"/>
+          </a:xfrm>
+          <a:prstGeom prst="straightConnector1">
+            <a:avLst/>
+          </a:prstGeom>
+          <a:ln>
+            <a:tailEnd type="triangle"/>
+          </a:ln>
+        </p:spPr>
+        <p:style>
+          <a:lnRef idx="1">
+            <a:schemeClr val="accent1"/>
+          </a:lnRef>
+          <a:fillRef idx="0">
+            <a:schemeClr val="accent1"/>
+          </a:fillRef>
+          <a:effectRef idx="0">
+            <a:schemeClr val="accent1"/>
+          </a:effectRef>
+          <a:fontRef idx="minor">
+            <a:schemeClr val="tx1"/>
+          </a:fontRef>
+        </p:style>
+      </p:cxnSp>
+      <p:sp>
+        <p:nvSpPr>
+          <p:cNvPr id="42" name="Rectangle 41">
+            <a:extLst>
+              <a:ext uri="{FF2B5EF4-FFF2-40B4-BE49-F238E27FC236}">
+                <a16:creationId xmlns:a16="http://schemas.microsoft.com/office/drawing/2014/main" id="{BCB1FAB1-784F-439E-8067-B6B6A4723717}"/>
+              </a:ext>
+            </a:extLst>
+          </p:cNvPr>
+          <p:cNvSpPr/>
+          <p:nvPr/>
+        </p:nvSpPr>
+        <p:spPr>
+          <a:xfrm>
+            <a:off x="3203448" y="4249062"/>
+            <a:ext cx="1742831" cy="1420480"/>
+          </a:xfrm>
+          <a:prstGeom prst="rect">
+            <a:avLst/>
+          </a:prstGeom>
+        </p:spPr>
+        <p:style>
+          <a:lnRef idx="2">
+            <a:schemeClr val="accent1">
+              <a:shade val="50000"/>
+            </a:schemeClr>
+          </a:lnRef>
+          <a:fillRef idx="1">
+            <a:schemeClr val="accent1"/>
+          </a:fillRef>
+          <a:effectRef idx="0">
+            <a:schemeClr val="accent1"/>
+          </a:effectRef>
+          <a:fontRef idx="minor">
+            <a:schemeClr val="lt1"/>
+          </a:fontRef>
+        </p:style>
+        <p:txBody>
+          <a:bodyPr rtlCol="0" anchor="ctr"/>
+          <a:lstStyle/>
+          <a:p>
+            <a:pPr algn="ctr"/>
+            <a:r>
+              <a:rPr lang="en-US" b="1" dirty="0"/>
+              <a:t>CSS</a:t>
+            </a:r>
+          </a:p>
+          <a:p>
+            <a:pPr algn="ctr"/>
+            <a:r>
+              <a:rPr lang="en-US" dirty="0"/>
+              <a:t>(style.css)</a:t>
+            </a:r>
+          </a:p>
+        </p:txBody>
+      </p:sp>
+      <p:cxnSp>
+        <p:nvCxnSpPr>
+          <p:cNvPr id="43" name="Straight Arrow Connector 42">
+            <a:extLst>
+              <a:ext uri="{FF2B5EF4-FFF2-40B4-BE49-F238E27FC236}">
+                <a16:creationId xmlns:a16="http://schemas.microsoft.com/office/drawing/2014/main" id="{BB0C3AE8-1EDB-4763-9C68-6EAEAAB5D369}"/>
+              </a:ext>
+            </a:extLst>
+          </p:cNvPr>
+          <p:cNvCxnSpPr>
+            <a:cxnSpLocks/>
+          </p:cNvCxnSpPr>
+          <p:nvPr/>
+        </p:nvCxnSpPr>
+        <p:spPr>
+          <a:xfrm flipV="1">
+            <a:off x="4074864" y="3805647"/>
+            <a:ext cx="0" cy="306857"/>
+          </a:xfrm>
+          <a:prstGeom prst="straightConnector1">
+            <a:avLst/>
+          </a:prstGeom>
+          <a:ln>
+            <a:tailEnd type="triangle"/>
+          </a:ln>
+        </p:spPr>
+        <p:style>
+          <a:lnRef idx="1">
+            <a:schemeClr val="accent1"/>
+          </a:lnRef>
+          <a:fillRef idx="0">
+            <a:schemeClr val="accent1"/>
+          </a:fillRef>
+          <a:effectRef idx="0">
+            <a:schemeClr val="accent1"/>
+          </a:effectRef>
+          <a:fontRef idx="minor">
+            <a:schemeClr val="tx1"/>
+          </a:fontRef>
+        </p:style>
+      </p:cxnSp>
+      <p:cxnSp>
+        <p:nvCxnSpPr>
+          <p:cNvPr id="50" name="Straight Connector 49">
+            <a:extLst>
+              <a:ext uri="{FF2B5EF4-FFF2-40B4-BE49-F238E27FC236}">
+                <a16:creationId xmlns:a16="http://schemas.microsoft.com/office/drawing/2014/main" id="{BDCEAD04-4333-4A9B-90C6-FB68497EF297}"/>
+              </a:ext>
+            </a:extLst>
+          </p:cNvPr>
+          <p:cNvCxnSpPr>
+            <a:cxnSpLocks/>
+          </p:cNvCxnSpPr>
+          <p:nvPr/>
+        </p:nvCxnSpPr>
+        <p:spPr>
+          <a:xfrm>
+            <a:off x="1434688" y="1515291"/>
+            <a:ext cx="5298289" cy="0"/>
+          </a:xfrm>
+          <a:prstGeom prst="line">
+            <a:avLst/>
+          </a:prstGeom>
+        </p:spPr>
+        <p:style>
+          <a:lnRef idx="1">
+            <a:schemeClr val="accent1"/>
+          </a:lnRef>
+          <a:fillRef idx="0">
+            <a:schemeClr val="accent1"/>
+          </a:fillRef>
+          <a:effectRef idx="0">
+            <a:schemeClr val="accent1"/>
+          </a:effectRef>
+          <a:fontRef idx="minor">
+            <a:schemeClr val="tx1"/>
+          </a:fontRef>
+        </p:style>
+      </p:cxnSp>
+      <p:cxnSp>
+        <p:nvCxnSpPr>
+          <p:cNvPr id="51" name="Straight Arrow Connector 50">
+            <a:extLst>
+              <a:ext uri="{FF2B5EF4-FFF2-40B4-BE49-F238E27FC236}">
+                <a16:creationId xmlns:a16="http://schemas.microsoft.com/office/drawing/2014/main" id="{19E722D4-07CE-4BDA-BA05-10A2FC0548F8}"/>
+              </a:ext>
+            </a:extLst>
+          </p:cNvPr>
+          <p:cNvCxnSpPr>
+            <a:cxnSpLocks/>
+          </p:cNvCxnSpPr>
+          <p:nvPr/>
+        </p:nvCxnSpPr>
+        <p:spPr>
+          <a:xfrm>
+            <a:off x="5228180" y="2890863"/>
+            <a:ext cx="425902" cy="0"/>
+          </a:xfrm>
+          <a:prstGeom prst="straightConnector1">
+            <a:avLst/>
+          </a:prstGeom>
+          <a:ln>
+            <a:tailEnd type="triangle"/>
+          </a:ln>
+        </p:spPr>
+        <p:style>
+          <a:lnRef idx="1">
+            <a:schemeClr val="accent1"/>
+          </a:lnRef>
+          <a:fillRef idx="0">
+            <a:schemeClr val="accent1"/>
+          </a:fillRef>
+          <a:effectRef idx="0">
+            <a:schemeClr val="accent1"/>
+          </a:effectRef>
+          <a:fontRef idx="minor">
+            <a:schemeClr val="tx1"/>
+          </a:fontRef>
+        </p:style>
+      </p:cxnSp>
+      <p:cxnSp>
+        <p:nvCxnSpPr>
+          <p:cNvPr id="52" name="Straight Arrow Connector 51">
+            <a:extLst>
+              <a:ext uri="{FF2B5EF4-FFF2-40B4-BE49-F238E27FC236}">
+                <a16:creationId xmlns:a16="http://schemas.microsoft.com/office/drawing/2014/main" id="{76A63512-51B5-49CA-8B30-A9D0670D14EF}"/>
+              </a:ext>
+            </a:extLst>
+          </p:cNvPr>
+          <p:cNvCxnSpPr>
+            <a:cxnSpLocks/>
+          </p:cNvCxnSpPr>
+          <p:nvPr/>
+        </p:nvCxnSpPr>
+        <p:spPr>
+          <a:xfrm>
+            <a:off x="6732977" y="1515291"/>
+            <a:ext cx="0" cy="744339"/>
+          </a:xfrm>
+          <a:prstGeom prst="straightConnector1">
+            <a:avLst/>
+          </a:prstGeom>
+          <a:ln>
+            <a:tailEnd type="triangle"/>
+          </a:ln>
+        </p:spPr>
+        <p:style>
+          <a:lnRef idx="1">
+            <a:schemeClr val="accent1"/>
+          </a:lnRef>
+          <a:fillRef idx="0">
+            <a:schemeClr val="accent1"/>
+          </a:fillRef>
+          <a:effectRef idx="0">
+            <a:schemeClr val="accent1"/>
+          </a:effectRef>
+          <a:fontRef idx="minor">
+            <a:schemeClr val="tx1"/>
+          </a:fontRef>
+        </p:style>
+      </p:cxnSp>
+      <p:cxnSp>
+        <p:nvCxnSpPr>
+          <p:cNvPr id="55" name="Straight Arrow Connector 54">
+            <a:extLst>
+              <a:ext uri="{FF2B5EF4-FFF2-40B4-BE49-F238E27FC236}">
+                <a16:creationId xmlns:a16="http://schemas.microsoft.com/office/drawing/2014/main" id="{7118881D-A15C-4E45-BAA7-65AD7D69D1F5}"/>
+              </a:ext>
+            </a:extLst>
+          </p:cNvPr>
+          <p:cNvCxnSpPr>
+            <a:cxnSpLocks/>
+          </p:cNvCxnSpPr>
+          <p:nvPr/>
+        </p:nvCxnSpPr>
+        <p:spPr>
+          <a:xfrm>
+            <a:off x="1434688" y="1515291"/>
+            <a:ext cx="0" cy="744344"/>
+          </a:xfrm>
+          <a:prstGeom prst="straightConnector1">
+            <a:avLst/>
+          </a:prstGeom>
+          <a:ln>
+            <a:tailEnd type="triangle"/>
+          </a:ln>
+        </p:spPr>
+        <p:style>
+          <a:lnRef idx="1">
+            <a:schemeClr val="accent1"/>
+          </a:lnRef>
+          <a:fillRef idx="0">
+            <a:schemeClr val="accent1"/>
+          </a:fillRef>
+          <a:effectRef idx="0">
+            <a:schemeClr val="accent1"/>
+          </a:effectRef>
+          <a:fontRef idx="minor">
+            <a:schemeClr val="tx1"/>
+          </a:fontRef>
+        </p:style>
+      </p:cxnSp>
+      <p:cxnSp>
+        <p:nvCxnSpPr>
+          <p:cNvPr id="63" name="Straight Arrow Connector 62">
+            <a:extLst>
+              <a:ext uri="{FF2B5EF4-FFF2-40B4-BE49-F238E27FC236}">
+                <a16:creationId xmlns:a16="http://schemas.microsoft.com/office/drawing/2014/main" id="{D1927BB4-5BCC-4316-93B2-F28312A1638E}"/>
+              </a:ext>
+            </a:extLst>
+          </p:cNvPr>
+          <p:cNvCxnSpPr>
+            <a:cxnSpLocks/>
+          </p:cNvCxnSpPr>
+          <p:nvPr/>
+        </p:nvCxnSpPr>
+        <p:spPr>
+          <a:xfrm>
+            <a:off x="1637173" y="3835383"/>
+            <a:ext cx="0" cy="325722"/>
+          </a:xfrm>
+          <a:prstGeom prst="straightConnector1">
+            <a:avLst/>
+          </a:prstGeom>
+          <a:ln>
+            <a:tailEnd type="triangle"/>
+          </a:ln>
+        </p:spPr>
+        <p:style>
+          <a:lnRef idx="1">
+            <a:schemeClr val="accent1"/>
+          </a:lnRef>
+          <a:fillRef idx="0">
+            <a:schemeClr val="accent1"/>
+          </a:fillRef>
+          <a:effectRef idx="0">
+            <a:schemeClr val="accent1"/>
+          </a:effectRef>
+          <a:fontRef idx="minor">
+            <a:schemeClr val="tx1"/>
+          </a:fontRef>
+        </p:style>
+      </p:cxnSp>
     </p:spTree>
     <p:extLst>
       <p:ext uri="{BB962C8B-B14F-4D97-AF65-F5344CB8AC3E}">
-        <p14:creationId xmlns:p14="http://schemas.microsoft.com/office/powerpoint/2010/main" val="210661603"/>
+        <p14:creationId xmlns:p14="http://schemas.microsoft.com/office/powerpoint/2010/main" val="3868302622"/>
       </p:ext>
     </p:extLst>
   </p:cSld>
@@ -4988,6 +5750,40 @@
       </p:grpSpPr>
       <p:sp>
         <p:nvSpPr>
+          <p:cNvPr id="2" name="Title 1">
+            <a:extLst>
+              <a:ext uri="{FF2B5EF4-FFF2-40B4-BE49-F238E27FC236}">
+                <a16:creationId xmlns:a16="http://schemas.microsoft.com/office/drawing/2014/main" id="{06B94B72-60BC-AD47-BDC8-A96CD071596A}"/>
+              </a:ext>
+            </a:extLst>
+          </p:cNvPr>
+          <p:cNvSpPr>
+            <a:spLocks noGrp="1"/>
+          </p:cNvSpPr>
+          <p:nvPr>
+            <p:ph type="title"/>
+          </p:nvPr>
+        </p:nvSpPr>
+        <p:spPr>
+          <a:xfrm>
+            <a:off x="838200" y="2329007"/>
+            <a:ext cx="10515600" cy="1325563"/>
+          </a:xfrm>
+        </p:spPr>
+        <p:txBody>
+          <a:bodyPr/>
+          <a:lstStyle/>
+          <a:p>
+            <a:pPr algn="ctr"/>
+            <a:r>
+              <a:rPr lang="en-US" dirty="0"/>
+              <a:t>Demonstration</a:t>
+            </a:r>
+          </a:p>
+        </p:txBody>
+      </p:sp>
+      <p:sp>
+        <p:nvSpPr>
           <p:cNvPr id="3" name="Slide Number Placeholder 2">
             <a:extLst>
               <a:ext uri="{FF2B5EF4-FFF2-40B4-BE49-F238E27FC236}">
@@ -5016,6 +5812,71 @@
               <a:rPr lang="en-US" smtClean="0"/>
               <a:pPr/>
               <a:t>6</a:t>
+            </a:fld>
+            <a:endParaRPr lang="en-US" dirty="0"/>
+          </a:p>
+        </p:txBody>
+      </p:sp>
+    </p:spTree>
+    <p:extLst>
+      <p:ext uri="{BB962C8B-B14F-4D97-AF65-F5344CB8AC3E}">
+        <p14:creationId xmlns:p14="http://schemas.microsoft.com/office/powerpoint/2010/main" val="210661603"/>
+      </p:ext>
+    </p:extLst>
+  </p:cSld>
+  <p:clrMapOvr>
+    <a:masterClrMapping/>
+  </p:clrMapOvr>
+</p:sld>
+</file>
+
+<file path=ppt/slides/slide7.xml><?xml version="1.0" encoding="utf-8"?>
+<p:sld xmlns:a="http://schemas.openxmlformats.org/drawingml/2006/main" xmlns:r="http://schemas.openxmlformats.org/officeDocument/2006/relationships" xmlns:p="http://schemas.openxmlformats.org/presentationml/2006/main">
+  <p:cSld>
+    <p:spTree>
+      <p:nvGrpSpPr>
+        <p:cNvPr id="1" name=""/>
+        <p:cNvGrpSpPr/>
+        <p:nvPr/>
+      </p:nvGrpSpPr>
+      <p:grpSpPr>
+        <a:xfrm>
+          <a:off x="0" y="0"/>
+          <a:ext cx="0" cy="0"/>
+          <a:chOff x="0" y="0"/>
+          <a:chExt cx="0" cy="0"/>
+        </a:xfrm>
+      </p:grpSpPr>
+      <p:sp>
+        <p:nvSpPr>
+          <p:cNvPr id="3" name="Slide Number Placeholder 2">
+            <a:extLst>
+              <a:ext uri="{FF2B5EF4-FFF2-40B4-BE49-F238E27FC236}">
+                <a16:creationId xmlns:a16="http://schemas.microsoft.com/office/drawing/2014/main" id="{83030344-2D89-4750-BF4D-2B1D684F0F84}"/>
+              </a:ext>
+            </a:extLst>
+          </p:cNvPr>
+          <p:cNvSpPr>
+            <a:spLocks noGrp="1"/>
+          </p:cNvSpPr>
+          <p:nvPr>
+            <p:ph type="sldNum" sz="quarter" idx="12"/>
+          </p:nvPr>
+        </p:nvSpPr>
+        <p:spPr>
+          <a:xfrm>
+            <a:off x="9079524" y="6356350"/>
+            <a:ext cx="2743200" cy="365125"/>
+          </a:xfrm>
+        </p:spPr>
+        <p:txBody>
+          <a:bodyPr/>
+          <a:lstStyle/>
+          <a:p>
+            <a:fld id="{D57F1E4F-1CFF-5643-939E-217C01CDF565}" type="slidenum">
+              <a:rPr lang="en-US" smtClean="0"/>
+              <a:pPr/>
+              <a:t>7</a:t>
             </a:fld>
             <a:endParaRPr lang="en-US" dirty="0"/>
           </a:p>
